--- a/java/docs/06-java-泛型.pptx
+++ b/java/docs/06-java-泛型.pptx
@@ -6,7 +6,7 @@
     <p:sldMasterId id="2147483660" r:id="rId2"/>
   </p:sldMasterIdLst>
   <p:notesMasterIdLst>
-    <p:notesMasterId r:id="rId16"/>
+    <p:notesMasterId r:id="rId18"/>
   </p:notesMasterIdLst>
   <p:sldIdLst>
     <p:sldId id="256" r:id="rId3"/>
@@ -16,12 +16,14 @@
     <p:sldId id="274" r:id="rId7"/>
     <p:sldId id="275" r:id="rId8"/>
     <p:sldId id="276" r:id="rId9"/>
-    <p:sldId id="277" r:id="rId10"/>
-    <p:sldId id="281" r:id="rId11"/>
-    <p:sldId id="278" r:id="rId12"/>
-    <p:sldId id="279" r:id="rId13"/>
-    <p:sldId id="280" r:id="rId14"/>
-    <p:sldId id="269" r:id="rId15"/>
+    <p:sldId id="283" r:id="rId10"/>
+    <p:sldId id="282" r:id="rId11"/>
+    <p:sldId id="277" r:id="rId12"/>
+    <p:sldId id="281" r:id="rId13"/>
+    <p:sldId id="278" r:id="rId14"/>
+    <p:sldId id="279" r:id="rId15"/>
+    <p:sldId id="280" r:id="rId16"/>
+    <p:sldId id="269" r:id="rId17"/>
   </p:sldIdLst>
   <p:sldSz cx="9144000" cy="6858000" type="screen4x3"/>
   <p:notesSz cx="6858000" cy="9144000"/>
@@ -39701,6 +39703,251 @@
           <a:p>
             <a:r>
               <a:rPr lang="zh-CN" altLang="en-US" dirty="0" smtClean="0"/>
+              <a:t>类型边界 </a:t>
+            </a:r>
+            <a:r>
+              <a:rPr lang="en-US" altLang="zh-CN" dirty="0" smtClean="0"/>
+              <a:t>– </a:t>
+            </a:r>
+            <a:r>
+              <a:rPr lang="zh-CN" altLang="en-US" dirty="0" smtClean="0"/>
+              <a:t>下界</a:t>
+            </a:r>
+            <a:endParaRPr lang="zh-CN" altLang="en-US" dirty="0"/>
+          </a:p>
+        </p:txBody>
+      </p:sp>
+      <p:sp>
+        <p:nvSpPr>
+          <p:cNvPr id="3" name="内容占位符 2"/>
+          <p:cNvSpPr>
+            <a:spLocks noGrp="1"/>
+          </p:cNvSpPr>
+          <p:nvPr>
+            <p:ph idx="1"/>
+          </p:nvPr>
+        </p:nvSpPr>
+        <p:spPr/>
+        <p:txBody>
+          <a:bodyPr/>
+          <a:lstStyle/>
+          <a:p>
+            <a:r>
+              <a:rPr lang="en-US" altLang="zh-CN" dirty="0" smtClean="0"/>
+              <a:t>T </a:t>
+            </a:r>
+            <a:r>
+              <a:rPr lang="en-US" altLang="zh-CN" dirty="0" smtClean="0">
+                <a:solidFill>
+                  <a:srgbClr val="FF0000"/>
+                </a:solidFill>
+              </a:rPr>
+              <a:t>super</a:t>
+            </a:r>
+            <a:r>
+              <a:rPr lang="en-US" altLang="zh-CN" dirty="0" smtClean="0"/>
+              <a:t> Integer</a:t>
+            </a:r>
+          </a:p>
+          <a:p>
+            <a:pPr marL="0" indent="0">
+              <a:buNone/>
+            </a:pPr>
+            <a:r>
+              <a:rPr lang="zh-CN" altLang="en-US" dirty="0" smtClean="0"/>
+              <a:t>但是下界不能用于类型参数中。</a:t>
+            </a:r>
+            <a:endParaRPr lang="en-US" altLang="zh-CN" dirty="0" smtClean="0"/>
+          </a:p>
+          <a:p>
+            <a:pPr marL="0" indent="0">
+              <a:buNone/>
+            </a:pPr>
+            <a:endParaRPr lang="en-US" altLang="zh-CN" dirty="0"/>
+          </a:p>
+          <a:p>
+            <a:pPr marL="0" indent="0">
+              <a:buNone/>
+            </a:pPr>
+            <a:r>
+              <a:rPr lang="en-US" altLang="zh-CN" dirty="0" smtClean="0"/>
+              <a:t>GenericsExample.java</a:t>
+            </a:r>
+          </a:p>
+          <a:p>
+            <a:pPr marL="0" indent="0">
+              <a:buNone/>
+            </a:pPr>
+            <a:endParaRPr lang="zh-CN" altLang="en-US" dirty="0"/>
+          </a:p>
+        </p:txBody>
+      </p:sp>
+    </p:spTree>
+    <p:extLst>
+      <p:ext uri="{BB962C8B-B14F-4D97-AF65-F5344CB8AC3E}">
+        <p14:creationId xmlns:p14="http://schemas.microsoft.com/office/powerpoint/2010/main" val="1918292390"/>
+      </p:ext>
+    </p:extLst>
+  </p:cSld>
+  <p:clrMapOvr>
+    <a:masterClrMapping/>
+  </p:clrMapOvr>
+  <p:timing>
+    <p:tnLst>
+      <p:par>
+        <p:cTn id="1" dur="indefinite" restart="never" nodeType="tmRoot"/>
+      </p:par>
+    </p:tnLst>
+  </p:timing>
+</p:sld>
+</file>
+
+<file path=ppt/slides/slide11.xml><?xml version="1.0" encoding="utf-8"?>
+<p:sld xmlns:a="http://schemas.openxmlformats.org/drawingml/2006/main" xmlns:r="http://schemas.openxmlformats.org/officeDocument/2006/relationships" xmlns:p="http://schemas.openxmlformats.org/presentationml/2006/main">
+  <p:cSld>
+    <p:spTree>
+      <p:nvGrpSpPr>
+        <p:cNvPr id="1" name=""/>
+        <p:cNvGrpSpPr/>
+        <p:nvPr/>
+      </p:nvGrpSpPr>
+      <p:grpSpPr>
+        <a:xfrm>
+          <a:off x="0" y="0"/>
+          <a:ext cx="0" cy="0"/>
+          <a:chOff x="0" y="0"/>
+          <a:chExt cx="0" cy="0"/>
+        </a:xfrm>
+      </p:grpSpPr>
+      <p:sp>
+        <p:nvSpPr>
+          <p:cNvPr id="2" name="标题 1"/>
+          <p:cNvSpPr>
+            <a:spLocks noGrp="1"/>
+          </p:cNvSpPr>
+          <p:nvPr>
+            <p:ph type="title"/>
+          </p:nvPr>
+        </p:nvSpPr>
+        <p:spPr/>
+        <p:txBody>
+          <a:bodyPr>
+            <a:normAutofit fontScale="90000"/>
+          </a:bodyPr>
+          <a:lstStyle/>
+          <a:p>
+            <a:r>
+              <a:rPr lang="zh-CN" altLang="en-US" dirty="0"/>
+              <a:t>类型边界</a:t>
+            </a:r>
+          </a:p>
+        </p:txBody>
+      </p:sp>
+      <p:sp>
+        <p:nvSpPr>
+          <p:cNvPr id="3" name="内容占位符 2"/>
+          <p:cNvSpPr>
+            <a:spLocks noGrp="1"/>
+          </p:cNvSpPr>
+          <p:nvPr>
+            <p:ph idx="1"/>
+          </p:nvPr>
+        </p:nvSpPr>
+        <p:spPr/>
+        <p:txBody>
+          <a:bodyPr/>
+          <a:lstStyle/>
+          <a:p>
+            <a:r>
+              <a:rPr lang="zh-CN" altLang="en-US" dirty="0" smtClean="0"/>
+              <a:t>边界类型不能是基本类型或数组</a:t>
+            </a:r>
+            <a:endParaRPr lang="en-US" altLang="zh-CN" dirty="0" smtClean="0"/>
+          </a:p>
+          <a:p>
+            <a:pPr marL="0" indent="0">
+              <a:buNone/>
+            </a:pPr>
+            <a:r>
+              <a:rPr lang="en-US" altLang="zh-CN" dirty="0" smtClean="0"/>
+              <a:t>&lt;T extend </a:t>
+            </a:r>
+            <a:r>
+              <a:rPr lang="en-US" altLang="zh-CN" dirty="0" err="1" smtClean="0"/>
+              <a:t>int</a:t>
+            </a:r>
+            <a:r>
+              <a:rPr lang="en-US" altLang="zh-CN" dirty="0" smtClean="0"/>
+              <a:t>&gt;</a:t>
+            </a:r>
+          </a:p>
+          <a:p>
+            <a:pPr marL="0" indent="0">
+              <a:buNone/>
+            </a:pPr>
+            <a:r>
+              <a:rPr lang="en-US" altLang="zh-CN" dirty="0" smtClean="0"/>
+              <a:t>&lt;T extend Number[]&gt;</a:t>
+            </a:r>
+          </a:p>
+        </p:txBody>
+      </p:sp>
+    </p:spTree>
+    <p:extLst>
+      <p:ext uri="{BB962C8B-B14F-4D97-AF65-F5344CB8AC3E}">
+        <p14:creationId xmlns:p14="http://schemas.microsoft.com/office/powerpoint/2010/main" val="3569006046"/>
+      </p:ext>
+    </p:extLst>
+  </p:cSld>
+  <p:clrMapOvr>
+    <a:masterClrMapping/>
+  </p:clrMapOvr>
+  <p:timing>
+    <p:tnLst>
+      <p:par>
+        <p:cTn id="1" dur="indefinite" restart="never" nodeType="tmRoot"/>
+      </p:par>
+    </p:tnLst>
+  </p:timing>
+</p:sld>
+</file>
+
+<file path=ppt/slides/slide12.xml><?xml version="1.0" encoding="utf-8"?>
+<p:sld xmlns:a="http://schemas.openxmlformats.org/drawingml/2006/main" xmlns:r="http://schemas.openxmlformats.org/officeDocument/2006/relationships" xmlns:p="http://schemas.openxmlformats.org/presentationml/2006/main">
+  <p:cSld>
+    <p:spTree>
+      <p:nvGrpSpPr>
+        <p:cNvPr id="1" name=""/>
+        <p:cNvGrpSpPr/>
+        <p:nvPr/>
+      </p:nvGrpSpPr>
+      <p:grpSpPr>
+        <a:xfrm>
+          <a:off x="0" y="0"/>
+          <a:ext cx="0" cy="0"/>
+          <a:chOff x="0" y="0"/>
+          <a:chExt cx="0" cy="0"/>
+        </a:xfrm>
+      </p:grpSpPr>
+      <p:sp>
+        <p:nvSpPr>
+          <p:cNvPr id="2" name="标题 1"/>
+          <p:cNvSpPr>
+            <a:spLocks noGrp="1"/>
+          </p:cNvSpPr>
+          <p:nvPr>
+            <p:ph type="title"/>
+          </p:nvPr>
+        </p:nvSpPr>
+        <p:spPr/>
+        <p:txBody>
+          <a:bodyPr>
+            <a:normAutofit fontScale="90000"/>
+          </a:bodyPr>
+          <a:lstStyle/>
+          <a:p>
+            <a:r>
+              <a:rPr lang="zh-CN" altLang="en-US" dirty="0" smtClean="0"/>
               <a:t>类型擦除</a:t>
             </a:r>
             <a:endParaRPr lang="zh-CN" altLang="en-US" dirty="0"/>
@@ -39882,7 +40129,7 @@
 </p:sld>
 </file>
 
-<file path=ppt/slides/slide11.xml><?xml version="1.0" encoding="utf-8"?>
+<file path=ppt/slides/slide13.xml><?xml version="1.0" encoding="utf-8"?>
 <p:sld xmlns:a="http://schemas.openxmlformats.org/drawingml/2006/main" xmlns:r="http://schemas.openxmlformats.org/officeDocument/2006/relationships" xmlns:p="http://schemas.openxmlformats.org/presentationml/2006/main">
   <p:cSld>
     <p:spTree>
@@ -40091,7 +40338,7 @@
 </p:sld>
 </file>
 
-<file path=ppt/slides/slide12.xml><?xml version="1.0" encoding="utf-8"?>
+<file path=ppt/slides/slide14.xml><?xml version="1.0" encoding="utf-8"?>
 <p:sld xmlns:a="http://schemas.openxmlformats.org/drawingml/2006/main" xmlns:r="http://schemas.openxmlformats.org/officeDocument/2006/relationships" xmlns:p="http://schemas.openxmlformats.org/presentationml/2006/main">
   <p:cSld>
     <p:spTree>
@@ -40289,7 +40536,7 @@
 </p:sld>
 </file>
 
-<file path=ppt/slides/slide13.xml><?xml version="1.0" encoding="utf-8"?>
+<file path=ppt/slides/slide15.xml><?xml version="1.0" encoding="utf-8"?>
 <p:sld xmlns:a="http://schemas.openxmlformats.org/drawingml/2006/main" xmlns:r="http://schemas.openxmlformats.org/officeDocument/2006/relationships" xmlns:p="http://schemas.openxmlformats.org/presentationml/2006/main">
   <p:cSld>
     <p:spTree>
@@ -41833,18 +42080,9 @@
           <a:lstStyle/>
           <a:p>
             <a:r>
-              <a:rPr lang="zh-CN" altLang="en-US" dirty="0" smtClean="0"/>
-              <a:t>类型边界 </a:t>
+              <a:rPr lang="zh-CN" altLang="en-US" dirty="0"/>
+              <a:t>类型边界</a:t>
             </a:r>
-            <a:r>
-              <a:rPr lang="en-US" altLang="zh-CN" dirty="0" smtClean="0"/>
-              <a:t>– </a:t>
-            </a:r>
-            <a:r>
-              <a:rPr lang="zh-CN" altLang="en-US" dirty="0" smtClean="0"/>
-              <a:t>下界</a:t>
-            </a:r>
-            <a:endParaRPr lang="zh-CN" altLang="en-US" dirty="0"/>
           </a:p>
         </p:txBody>
       </p:sp>
@@ -41860,24 +42098,24 @@
         </p:nvSpPr>
         <p:spPr/>
         <p:txBody>
-          <a:bodyPr/>
+          <a:bodyPr>
+            <a:normAutofit fontScale="92500" lnSpcReduction="20000"/>
+          </a:bodyPr>
           <a:lstStyle/>
           <a:p>
             <a:r>
-              <a:rPr lang="en-US" altLang="zh-CN" dirty="0" smtClean="0"/>
-              <a:t>T </a:t>
+              <a:rPr lang="zh-CN" altLang="en-US" dirty="0" smtClean="0"/>
+              <a:t>类型参数也可以用作类型边界</a:t>
             </a:r>
+            <a:endParaRPr lang="en-US" altLang="zh-CN" dirty="0" smtClean="0"/>
+          </a:p>
+          <a:p>
+            <a:pPr marL="0" indent="0">
+              <a:buNone/>
+            </a:pPr>
             <a:r>
-              <a:rPr lang="en-US" altLang="zh-CN" dirty="0" smtClean="0">
-                <a:solidFill>
-                  <a:srgbClr val="FF0000"/>
-                </a:solidFill>
-              </a:rPr>
-              <a:t>super</a:t>
-            </a:r>
-            <a:r>
-              <a:rPr lang="en-US" altLang="zh-CN" dirty="0" smtClean="0"/>
-              <a:t> Integer</a:t>
+              <a:rPr lang="en-US" altLang="zh-CN" sz="3000" dirty="0"/>
+              <a:t>class Triple &lt;T&gt; { </a:t>
             </a:r>
           </a:p>
           <a:p>
@@ -41885,38 +42123,127 @@
               <a:buNone/>
             </a:pPr>
             <a:r>
-              <a:rPr lang="zh-CN" altLang="en-US" dirty="0" smtClean="0"/>
-              <a:t>但是下界不能</a:t>
+              <a:rPr lang="en-US" altLang="zh-CN" sz="3000" dirty="0"/>
+              <a:t>  private T </a:t>
             </a:r>
             <a:r>
-              <a:rPr lang="zh-CN" altLang="en-US" dirty="0" smtClean="0"/>
-              <a:t>用于类型</a:t>
+              <a:rPr lang="en-US" altLang="zh-CN" sz="3000" dirty="0" err="1"/>
+              <a:t>fst</a:t>
             </a:r>
             <a:r>
-              <a:rPr lang="zh-CN" altLang="en-US" dirty="0" smtClean="0"/>
-              <a:t>参数中。</a:t>
+              <a:rPr lang="en-US" altLang="zh-CN" sz="3000" dirty="0"/>
+              <a:t>, </a:t>
             </a:r>
-            <a:endParaRPr lang="en-US" altLang="zh-CN" dirty="0" smtClean="0"/>
-          </a:p>
-          <a:p>
-            <a:pPr marL="0" indent="0">
-              <a:buNone/>
-            </a:pPr>
-            <a:endParaRPr lang="en-US" altLang="zh-CN" dirty="0"/>
+            <a:r>
+              <a:rPr lang="en-US" altLang="zh-CN" sz="3000" dirty="0" err="1"/>
+              <a:t>snd</a:t>
+            </a:r>
+            <a:r>
+              <a:rPr lang="en-US" altLang="zh-CN" sz="3000" dirty="0"/>
+              <a:t>, </a:t>
+            </a:r>
+            <a:r>
+              <a:rPr lang="en-US" altLang="zh-CN" sz="3000" dirty="0" err="1"/>
+              <a:t>trd</a:t>
+            </a:r>
+            <a:r>
+              <a:rPr lang="en-US" altLang="zh-CN" sz="3000" dirty="0"/>
+              <a:t>; </a:t>
+            </a:r>
           </a:p>
           <a:p>
             <a:pPr marL="0" indent="0">
               <a:buNone/>
             </a:pPr>
             <a:r>
-              <a:rPr lang="en-US" altLang="zh-CN" dirty="0" smtClean="0"/>
-              <a:t>GenericsExample.java</a:t>
+              <a:rPr lang="en-US" altLang="zh-CN" sz="3000" dirty="0"/>
+              <a:t>  public </a:t>
+            </a:r>
+            <a:r>
+              <a:rPr lang="en-US" altLang="zh-CN" sz="3000" dirty="0">
+                <a:solidFill>
+                  <a:srgbClr val="FF0000"/>
+                </a:solidFill>
+              </a:rPr>
+              <a:t>&lt; U extends T , V extends T , W extends T &gt;</a:t>
+            </a:r>
+            <a:r>
+              <a:rPr lang="en-US" altLang="zh-CN" sz="3000" dirty="0"/>
+              <a:t> Triple(U arg1, V arg2, W arg3) { </a:t>
             </a:r>
           </a:p>
           <a:p>
             <a:pPr marL="0" indent="0">
               <a:buNone/>
             </a:pPr>
+            <a:r>
+              <a:rPr lang="en-US" altLang="zh-CN" sz="3000" dirty="0"/>
+              <a:t>    </a:t>
+            </a:r>
+            <a:r>
+              <a:rPr lang="en-US" altLang="zh-CN" sz="3000" dirty="0" err="1"/>
+              <a:t>fst</a:t>
+            </a:r>
+            <a:r>
+              <a:rPr lang="en-US" altLang="zh-CN" sz="3000" dirty="0"/>
+              <a:t> = arg1; </a:t>
+            </a:r>
+          </a:p>
+          <a:p>
+            <a:pPr marL="0" indent="0">
+              <a:buNone/>
+            </a:pPr>
+            <a:r>
+              <a:rPr lang="en-US" altLang="zh-CN" sz="3000" dirty="0"/>
+              <a:t>    </a:t>
+            </a:r>
+            <a:r>
+              <a:rPr lang="en-US" altLang="zh-CN" sz="3000" dirty="0" err="1"/>
+              <a:t>snd</a:t>
+            </a:r>
+            <a:r>
+              <a:rPr lang="en-US" altLang="zh-CN" sz="3000" dirty="0"/>
+              <a:t> = arg2; </a:t>
+            </a:r>
+          </a:p>
+          <a:p>
+            <a:pPr marL="0" indent="0">
+              <a:buNone/>
+            </a:pPr>
+            <a:r>
+              <a:rPr lang="en-US" altLang="zh-CN" sz="3000" dirty="0"/>
+              <a:t>    </a:t>
+            </a:r>
+            <a:r>
+              <a:rPr lang="en-US" altLang="zh-CN" sz="3000" dirty="0" err="1"/>
+              <a:t>trd</a:t>
+            </a:r>
+            <a:r>
+              <a:rPr lang="en-US" altLang="zh-CN" sz="3000" dirty="0"/>
+              <a:t> = arg3; </a:t>
+            </a:r>
+          </a:p>
+          <a:p>
+            <a:pPr marL="0" indent="0">
+              <a:buNone/>
+            </a:pPr>
+            <a:r>
+              <a:rPr lang="en-US" altLang="zh-CN" sz="3000" dirty="0"/>
+              <a:t>  }</a:t>
+            </a:r>
+            <a:r>
+              <a:rPr lang="en-US" altLang="zh-CN" dirty="0"/>
+              <a:t> </a:t>
+            </a:r>
+          </a:p>
+          <a:p>
+            <a:pPr marL="0" indent="0">
+              <a:buNone/>
+            </a:pPr>
+            <a:r>
+              <a:rPr lang="en-US" altLang="zh-CN" dirty="0"/>
+              <a:t>}</a:t>
+            </a:r>
             <a:endParaRPr lang="zh-CN" altLang="en-US" dirty="0"/>
           </a:p>
         </p:txBody>
@@ -41924,20 +42251,13 @@
     </p:spTree>
     <p:extLst>
       <p:ext uri="{BB962C8B-B14F-4D97-AF65-F5344CB8AC3E}">
-        <p14:creationId xmlns:p14="http://schemas.microsoft.com/office/powerpoint/2010/main" val="1918292390"/>
+        <p14:creationId xmlns:p14="http://schemas.microsoft.com/office/powerpoint/2010/main" val="1553120731"/>
       </p:ext>
     </p:extLst>
   </p:cSld>
   <p:clrMapOvr>
     <a:masterClrMapping/>
   </p:clrMapOvr>
-  <p:timing>
-    <p:tnLst>
-      <p:par>
-        <p:cTn id="1" dur="indefinite" restart="never" nodeType="tmRoot"/>
-      </p:par>
-    </p:tnLst>
-  </p:timing>
 </p:sld>
 </file>
 
@@ -41994,30 +42314,47 @@
         </p:nvSpPr>
         <p:spPr/>
         <p:txBody>
-          <a:bodyPr/>
+          <a:bodyPr>
+            <a:normAutofit fontScale="77500" lnSpcReduction="20000"/>
+          </a:bodyPr>
           <a:lstStyle/>
           <a:p>
             <a:r>
-              <a:rPr lang="zh-CN" altLang="en-US" dirty="0" smtClean="0"/>
-              <a:t>边界类型不能是基本类型或数组</a:t>
+              <a:rPr lang="zh-CN" altLang="en-US" dirty="0"/>
+              <a:t>一个类型参数可以指定一个或多个上界</a:t>
             </a:r>
-            <a:endParaRPr lang="en-US" altLang="zh-CN" dirty="0" smtClean="0"/>
+            <a:endParaRPr lang="en-US" altLang="zh-CN" dirty="0"/>
           </a:p>
           <a:p>
             <a:pPr marL="0" indent="0">
               <a:buNone/>
             </a:pPr>
             <a:r>
-              <a:rPr lang="en-US" altLang="zh-CN" dirty="0" smtClean="0"/>
-              <a:t>&lt;T extend </a:t>
+              <a:rPr lang="en-US" altLang="zh-CN" sz="2400" dirty="0"/>
+              <a:t>&lt;T extends Class &amp; Interface 1 &amp; ... &amp; Interface N &gt;</a:t>
+            </a:r>
+          </a:p>
+          <a:p>
+            <a:pPr marL="0" indent="0">
+              <a:buNone/>
+            </a:pPr>
+            <a:endParaRPr lang="en-US" altLang="zh-CN" sz="2400" dirty="0"/>
+          </a:p>
+          <a:p>
+            <a:pPr marL="0" indent="0">
+              <a:buNone/>
+            </a:pPr>
+            <a:r>
+              <a:rPr lang="en-US" altLang="zh-CN" sz="2400" dirty="0"/>
+              <a:t>class Pair&lt;A extends Comparable&lt;A&gt; &amp; </a:t>
             </a:r>
             <a:r>
-              <a:rPr lang="en-US" altLang="zh-CN" dirty="0" err="1" smtClean="0"/>
-              <a:t>int</a:t>
+              <a:rPr lang="en-US" altLang="zh-CN" sz="2400" dirty="0" err="1"/>
+              <a:t>Cloneable</a:t>
             </a:r>
             <a:r>
-              <a:rPr lang="en-US" altLang="zh-CN" dirty="0" smtClean="0"/>
-              <a:t>&gt;</a:t>
+              <a:rPr lang="en-US" altLang="zh-CN" sz="2400" dirty="0"/>
+              <a:t> ,  </a:t>
             </a:r>
           </a:p>
           <a:p>
@@ -42025,29 +42362,123 @@
               <a:buNone/>
             </a:pPr>
             <a:r>
-              <a:rPr lang="en-US" altLang="zh-CN" dirty="0" smtClean="0"/>
-              <a:t>&lt;T extend Number[]&gt;</a:t>
+              <a:rPr lang="en-US" altLang="zh-CN" sz="2400" dirty="0"/>
+              <a:t>           B extends Comparable&lt;B&gt; &amp; </a:t>
             </a:r>
+            <a:r>
+              <a:rPr lang="en-US" altLang="zh-CN" sz="2400" dirty="0" err="1"/>
+              <a:t>Cloneable</a:t>
+            </a:r>
+            <a:r>
+              <a:rPr lang="en-US" altLang="zh-CN" sz="2400" dirty="0"/>
+              <a:t> &gt;  </a:t>
+            </a:r>
+          </a:p>
+          <a:p>
+            <a:pPr marL="0" indent="0">
+              <a:buNone/>
+            </a:pPr>
+            <a:r>
+              <a:rPr lang="en-US" altLang="zh-CN" sz="2400" dirty="0"/>
+              <a:t>  implements Comparable&lt;Pair&lt;A,B&gt;&gt;, </a:t>
+            </a:r>
+            <a:r>
+              <a:rPr lang="en-US" altLang="zh-CN" sz="2400" dirty="0" err="1"/>
+              <a:t>Cloneable</a:t>
+            </a:r>
+            <a:r>
+              <a:rPr lang="en-US" altLang="zh-CN" sz="2400" dirty="0"/>
+              <a:t> {</a:t>
+            </a:r>
+          </a:p>
+          <a:p>
+            <a:pPr marL="0" indent="0">
+              <a:buNone/>
+            </a:pPr>
+            <a:r>
+              <a:rPr lang="en-US" altLang="zh-CN" sz="2400" dirty="0"/>
+              <a:t>      ...</a:t>
+            </a:r>
+          </a:p>
+          <a:p>
+            <a:pPr marL="0" indent="0">
+              <a:buNone/>
+            </a:pPr>
+            <a:r>
+              <a:rPr lang="en-US" altLang="zh-CN" sz="2400" dirty="0"/>
+              <a:t>  }</a:t>
+            </a:r>
+          </a:p>
+          <a:p>
+            <a:pPr marL="0" indent="0">
+              <a:buNone/>
+            </a:pPr>
+            <a:endParaRPr lang="en-US" altLang="zh-CN" sz="2400" dirty="0"/>
+          </a:p>
+          <a:p>
+            <a:r>
+              <a:rPr lang="zh-CN" altLang="en-US" dirty="0"/>
+              <a:t>类、接口和枚举类型可以被用作类型边界</a:t>
+            </a:r>
+            <a:endParaRPr lang="en-US" altLang="zh-CN" dirty="0"/>
+          </a:p>
+          <a:p>
+            <a:r>
+              <a:rPr lang="zh-CN" altLang="en-US" dirty="0"/>
+              <a:t>基本类型和数组不能用作类型边界</a:t>
+            </a:r>
+            <a:endParaRPr lang="en-US" altLang="zh-CN" dirty="0"/>
+          </a:p>
+          <a:p>
+            <a:pPr marL="400050" lvl="1" indent="0">
+              <a:buNone/>
+            </a:pPr>
+            <a:r>
+              <a:rPr lang="en-US" altLang="zh-CN" sz="2400" dirty="0"/>
+              <a:t>class X0 &lt;T extends </a:t>
+            </a:r>
+            <a:r>
+              <a:rPr lang="en-US" altLang="zh-CN" sz="2400" dirty="0" err="1"/>
+              <a:t>int</a:t>
+            </a:r>
+            <a:r>
+              <a:rPr lang="en-US" altLang="zh-CN" sz="2400" dirty="0"/>
+              <a:t> &gt; { ... }      // error </a:t>
+            </a:r>
+          </a:p>
+          <a:p>
+            <a:pPr marL="400050" lvl="1" indent="0">
+              <a:buNone/>
+            </a:pPr>
+            <a:r>
+              <a:rPr lang="en-US" altLang="zh-CN" sz="2400" dirty="0"/>
+              <a:t>class X1 &lt;T extends Object[] &gt; { ... } // error </a:t>
+            </a:r>
+          </a:p>
+          <a:p>
+            <a:pPr marL="400050" lvl="1" indent="0">
+              <a:buNone/>
+            </a:pPr>
+            <a:r>
+              <a:rPr lang="en-US" altLang="zh-CN" sz="2400" dirty="0"/>
+              <a:t>class X2 &lt;T extends Number &gt; { ... } </a:t>
+            </a:r>
+          </a:p>
+          <a:p>
+            <a:endParaRPr lang="zh-CN" altLang="en-US" dirty="0"/>
           </a:p>
         </p:txBody>
       </p:sp>
     </p:spTree>
     <p:extLst>
       <p:ext uri="{BB962C8B-B14F-4D97-AF65-F5344CB8AC3E}">
-        <p14:creationId xmlns:p14="http://schemas.microsoft.com/office/powerpoint/2010/main" val="3569006046"/>
+        <p14:creationId xmlns:p14="http://schemas.microsoft.com/office/powerpoint/2010/main" val="3404221893"/>
       </p:ext>
     </p:extLst>
   </p:cSld>
   <p:clrMapOvr>
     <a:masterClrMapping/>
   </p:clrMapOvr>
-  <p:timing>
-    <p:tnLst>
-      <p:par>
-        <p:cTn id="1" dur="indefinite" restart="never" nodeType="tmRoot"/>
-      </p:par>
-    </p:tnLst>
-  </p:timing>
 </p:sld>
 </file>
 

--- a/java/docs/06-java-泛型.pptx
+++ b/java/docs/06-java-泛型.pptx
@@ -6,7 +6,7 @@
     <p:sldMasterId id="2147483660" r:id="rId2"/>
   </p:sldMasterIdLst>
   <p:notesMasterIdLst>
-    <p:notesMasterId r:id="rId11"/>
+    <p:notesMasterId r:id="rId14"/>
   </p:notesMasterIdLst>
   <p:sldIdLst>
     <p:sldId id="256" r:id="rId3"/>
@@ -16,7 +16,10 @@
     <p:sldId id="274" r:id="rId7"/>
     <p:sldId id="275" r:id="rId8"/>
     <p:sldId id="276" r:id="rId9"/>
-    <p:sldId id="269" r:id="rId10"/>
+    <p:sldId id="279" r:id="rId10"/>
+    <p:sldId id="277" r:id="rId11"/>
+    <p:sldId id="278" r:id="rId12"/>
+    <p:sldId id="269" r:id="rId13"/>
   </p:sldIdLst>
   <p:sldSz cx="9144000" cy="6858000" type="screen4x3"/>
   <p:notesSz cx="6858000" cy="9144000"/>
@@ -39660,6 +39663,106 @@
 </p:sld>
 </file>
 
+<file path=ppt/slides/slide10.xml><?xml version="1.0" encoding="utf-8"?>
+<p:sld xmlns:a="http://schemas.openxmlformats.org/drawingml/2006/main" xmlns:r="http://schemas.openxmlformats.org/officeDocument/2006/relationships" xmlns:p="http://schemas.openxmlformats.org/presentationml/2006/main">
+  <p:cSld>
+    <p:spTree>
+      <p:nvGrpSpPr>
+        <p:cNvPr id="1" name=""/>
+        <p:cNvGrpSpPr/>
+        <p:nvPr/>
+      </p:nvGrpSpPr>
+      <p:grpSpPr>
+        <a:xfrm>
+          <a:off x="0" y="0"/>
+          <a:ext cx="0" cy="0"/>
+          <a:chOff x="0" y="0"/>
+          <a:chExt cx="0" cy="0"/>
+        </a:xfrm>
+      </p:grpSpPr>
+      <p:sp>
+        <p:nvSpPr>
+          <p:cNvPr id="2" name="标题 1"/>
+          <p:cNvSpPr>
+            <a:spLocks noGrp="1"/>
+          </p:cNvSpPr>
+          <p:nvPr>
+            <p:ph type="title"/>
+          </p:nvPr>
+        </p:nvSpPr>
+        <p:spPr/>
+        <p:txBody>
+          <a:bodyPr>
+            <a:normAutofit fontScale="90000"/>
+          </a:bodyPr>
+          <a:lstStyle/>
+          <a:p>
+            <a:endParaRPr lang="zh-CN" altLang="en-US"/>
+          </a:p>
+        </p:txBody>
+      </p:sp>
+      <p:sp>
+        <p:nvSpPr>
+          <p:cNvPr id="3" name="内容占位符 2"/>
+          <p:cNvSpPr>
+            <a:spLocks noGrp="1"/>
+          </p:cNvSpPr>
+          <p:nvPr>
+            <p:ph idx="1"/>
+          </p:nvPr>
+        </p:nvSpPr>
+        <p:spPr/>
+        <p:txBody>
+          <a:bodyPr/>
+          <a:lstStyle/>
+          <a:p>
+            <a:endParaRPr lang="zh-CN" altLang="en-US"/>
+          </a:p>
+        </p:txBody>
+      </p:sp>
+    </p:spTree>
+    <p:extLst>
+      <p:ext uri="{BB962C8B-B14F-4D97-AF65-F5344CB8AC3E}">
+        <p14:creationId xmlns:p14="http://schemas.microsoft.com/office/powerpoint/2010/main" val="3507030116"/>
+      </p:ext>
+    </p:extLst>
+  </p:cSld>
+  <p:clrMapOvr>
+    <a:masterClrMapping/>
+  </p:clrMapOvr>
+</p:sld>
+</file>
+
+<file path=ppt/slides/slide11.xml><?xml version="1.0" encoding="utf-8"?>
+<p:sld xmlns:a="http://schemas.openxmlformats.org/drawingml/2006/main" xmlns:r="http://schemas.openxmlformats.org/officeDocument/2006/relationships" xmlns:p="http://schemas.openxmlformats.org/presentationml/2006/main">
+  <p:cSld>
+    <p:spTree>
+      <p:nvGrpSpPr>
+        <p:cNvPr id="1" name=""/>
+        <p:cNvGrpSpPr/>
+        <p:nvPr/>
+      </p:nvGrpSpPr>
+      <p:grpSpPr>
+        <a:xfrm>
+          <a:off x="0" y="0"/>
+          <a:ext cx="0" cy="0"/>
+          <a:chOff x="0" y="0"/>
+          <a:chExt cx="0" cy="0"/>
+        </a:xfrm>
+      </p:grpSpPr>
+    </p:spTree>
+    <p:extLst>
+      <p:ext uri="{BB962C8B-B14F-4D97-AF65-F5344CB8AC3E}">
+        <p14:creationId xmlns:p14="http://schemas.microsoft.com/office/powerpoint/2010/main" val="1536160576"/>
+      </p:ext>
+    </p:extLst>
+  </p:cSld>
+  <p:clrMapOvr>
+    <a:masterClrMapping/>
+  </p:clrMapOvr>
+</p:sld>
+</file>
+
 <file path=ppt/slides/slide2.xml><?xml version="1.0" encoding="utf-8"?>
 <p:sld xmlns:a="http://schemas.openxmlformats.org/drawingml/2006/main" xmlns:r="http://schemas.openxmlformats.org/officeDocument/2006/relationships" xmlns:p="http://schemas.openxmlformats.org/presentationml/2006/main">
   <p:cSld>
@@ -40296,16 +40399,34 @@
           <a:lstStyle/>
           <a:p>
             <a:r>
-              <a:rPr lang="en-US" altLang="zh-CN" dirty="0" err="1"/>
+              <a:rPr lang="zh-CN" altLang="en-US" dirty="0" smtClean="0"/>
+              <a:t>类型参数的类型由调用时传递的实参确定</a:t>
+            </a:r>
+            <a:endParaRPr lang="en-US" altLang="zh-CN" dirty="0" smtClean="0"/>
+          </a:p>
+          <a:p>
+            <a:pPr marL="0" indent="0">
+              <a:buNone/>
+            </a:pPr>
+            <a:r>
+              <a:rPr lang="en-US" altLang="zh-CN" dirty="0"/>
+              <a:t> </a:t>
+            </a:r>
+            <a:r>
+              <a:rPr lang="en-US" altLang="zh-CN" dirty="0" smtClean="0"/>
+              <a:t> </a:t>
+            </a:r>
+            <a:r>
+              <a:rPr lang="en-US" altLang="zh-CN" dirty="0" err="1" smtClean="0"/>
               <a:t>int</a:t>
             </a:r>
             <a:r>
-              <a:rPr lang="en-US" altLang="zh-CN" dirty="0"/>
-              <a:t> n = </a:t>
+              <a:rPr lang="en-US" altLang="zh-CN" dirty="0" smtClean="0"/>
+              <a:t> </a:t>
             </a:r>
             <a:r>
               <a:rPr lang="en-US" altLang="zh-CN" dirty="0"/>
-              <a:t>multioutput("</a:t>
+              <a:t>n = multioutput("</a:t>
             </a:r>
             <a:r>
               <a:rPr lang="en-US" altLang="zh-CN" dirty="0" err="1"/>
@@ -40598,10 +40719,22 @@
             </a:pPr>
             <a:r>
               <a:rPr lang="en-US" altLang="zh-CN" dirty="0" smtClean="0"/>
-              <a:t>       return </a:t>
+              <a:t>       </a:t>
             </a:r>
             <a:r>
-              <a:rPr lang="en-US" altLang="zh-CN" dirty="0"/>
+              <a:rPr lang="en-US" altLang="zh-CN" dirty="0" smtClean="0">
+                <a:solidFill>
+                  <a:srgbClr val="FFFF00"/>
+                </a:solidFill>
+              </a:rPr>
+              <a:t>return </a:t>
+            </a:r>
+            <a:r>
+              <a:rPr lang="en-US" altLang="zh-CN" dirty="0">
+                <a:solidFill>
+                  <a:srgbClr val="FFFF00"/>
+                </a:solidFill>
+              </a:rPr>
               <a:t>height * width ;</a:t>
             </a:r>
           </a:p>
@@ -40682,6 +40815,14 @@
           <a:p>
             <a:r>
               <a:rPr lang="zh-CN" altLang="en-US" dirty="0" smtClean="0"/>
+              <a:t>类型边界 </a:t>
+            </a:r>
+            <a:r>
+              <a:rPr lang="en-US" altLang="zh-CN" dirty="0" smtClean="0"/>
+              <a:t>– </a:t>
+            </a:r>
+            <a:r>
+              <a:rPr lang="zh-CN" altLang="en-US" dirty="0" smtClean="0"/>
               <a:t>上界</a:t>
             </a:r>
             <a:endParaRPr lang="zh-CN" altLang="en-US" dirty="0"/>
@@ -40718,7 +40859,19 @@
             </a:r>
             <a:r>
               <a:rPr lang="en-US" altLang="zh-CN" dirty="0"/>
-              <a:t>&lt;T extends Number&gt; {</a:t>
+              <a:t>&lt;</a:t>
+            </a:r>
+            <a:r>
+              <a:rPr lang="en-US" altLang="zh-CN" dirty="0">
+                <a:solidFill>
+                  <a:srgbClr val="FF0000"/>
+                </a:solidFill>
+              </a:rPr>
+              <a:t>T extends Number</a:t>
+            </a:r>
+            <a:r>
+              <a:rPr lang="en-US" altLang="zh-CN" dirty="0"/>
+              <a:t>&gt; {</a:t>
             </a:r>
           </a:p>
           <a:p>
@@ -40858,22 +41011,46 @@
             </a:pPr>
             <a:r>
               <a:rPr lang="en-US" altLang="zh-CN" dirty="0"/>
-              <a:t>		return </a:t>
+              <a:t>		</a:t>
             </a:r>
             <a:r>
-              <a:rPr lang="en-US" altLang="zh-CN" dirty="0" err="1"/>
+              <a:rPr lang="en-US" altLang="zh-CN" dirty="0">
+                <a:solidFill>
+                  <a:srgbClr val="FFFF00"/>
+                </a:solidFill>
+              </a:rPr>
+              <a:t>return </a:t>
+            </a:r>
+            <a:r>
+              <a:rPr lang="en-US" altLang="zh-CN" dirty="0" err="1">
+                <a:solidFill>
+                  <a:srgbClr val="FFFF00"/>
+                </a:solidFill>
+              </a:rPr>
               <a:t>height.doubleValue</a:t>
             </a:r>
             <a:r>
-              <a:rPr lang="en-US" altLang="zh-CN" dirty="0"/>
+              <a:rPr lang="en-US" altLang="zh-CN" dirty="0">
+                <a:solidFill>
+                  <a:srgbClr val="FFFF00"/>
+                </a:solidFill>
+              </a:rPr>
               <a:t>() * </a:t>
             </a:r>
             <a:r>
-              <a:rPr lang="en-US" altLang="zh-CN" dirty="0" err="1"/>
+              <a:rPr lang="en-US" altLang="zh-CN" dirty="0" err="1">
+                <a:solidFill>
+                  <a:srgbClr val="FFFF00"/>
+                </a:solidFill>
+              </a:rPr>
               <a:t>width.doubleValue</a:t>
             </a:r>
             <a:r>
-              <a:rPr lang="en-US" altLang="zh-CN" dirty="0"/>
+              <a:rPr lang="en-US" altLang="zh-CN" dirty="0">
+                <a:solidFill>
+                  <a:srgbClr val="FFFF00"/>
+                </a:solidFill>
+              </a:rPr>
               <a:t>() ;</a:t>
             </a:r>
           </a:p>
@@ -41030,10 +41207,220 @@
           <a:chExt cx="0" cy="0"/>
         </a:xfrm>
       </p:grpSpPr>
+      <p:sp>
+        <p:nvSpPr>
+          <p:cNvPr id="2" name="标题 1"/>
+          <p:cNvSpPr>
+            <a:spLocks noGrp="1"/>
+          </p:cNvSpPr>
+          <p:nvPr>
+            <p:ph type="title"/>
+          </p:nvPr>
+        </p:nvSpPr>
+        <p:spPr/>
+        <p:txBody>
+          <a:bodyPr>
+            <a:normAutofit fontScale="90000"/>
+          </a:bodyPr>
+          <a:lstStyle/>
+          <a:p>
+            <a:r>
+              <a:rPr lang="zh-CN" altLang="en-US" dirty="0" smtClean="0"/>
+              <a:t>使用通配符</a:t>
+            </a:r>
+            <a:endParaRPr lang="zh-CN" altLang="en-US" dirty="0"/>
+          </a:p>
+        </p:txBody>
+      </p:sp>
+      <p:sp>
+        <p:nvSpPr>
+          <p:cNvPr id="3" name="内容占位符 2"/>
+          <p:cNvSpPr>
+            <a:spLocks noGrp="1"/>
+          </p:cNvSpPr>
+          <p:nvPr>
+            <p:ph idx="1"/>
+          </p:nvPr>
+        </p:nvSpPr>
+        <p:spPr/>
+        <p:txBody>
+          <a:bodyPr/>
+          <a:lstStyle/>
+          <a:p>
+            <a:pPr marL="0" indent="0">
+              <a:buNone/>
+            </a:pPr>
+            <a:r>
+              <a:rPr lang="en-US" altLang="zh-CN" dirty="0"/>
+              <a:t>class Glass&lt;T&gt;{ </a:t>
+            </a:r>
+            <a:r>
+              <a:rPr lang="en-US" altLang="zh-CN" dirty="0" smtClean="0"/>
+              <a:t>}</a:t>
+            </a:r>
+          </a:p>
+          <a:p>
+            <a:pPr marL="0" indent="0">
+              <a:buNone/>
+            </a:pPr>
+            <a:r>
+              <a:rPr lang="en-US" altLang="zh-CN" dirty="0"/>
+              <a:t>class Tray{</a:t>
+            </a:r>
+          </a:p>
+          <a:p>
+            <a:pPr marL="0" indent="0">
+              <a:buNone/>
+            </a:pPr>
+            <a:r>
+              <a:rPr lang="en-US" altLang="zh-CN" dirty="0"/>
+              <a:t>public void add(Glass&lt;?&gt; </a:t>
+            </a:r>
+            <a:r>
+              <a:rPr lang="en-US" altLang="zh-CN" dirty="0" err="1"/>
+              <a:t>juiceGlass</a:t>
+            </a:r>
+            <a:r>
+              <a:rPr lang="en-US" altLang="zh-CN" dirty="0"/>
+              <a:t>){ }</a:t>
+            </a:r>
+          </a:p>
+          <a:p>
+            <a:pPr marL="0" indent="0">
+              <a:buNone/>
+            </a:pPr>
+            <a:r>
+              <a:rPr lang="en-US" altLang="zh-CN" dirty="0"/>
+              <a:t>}</a:t>
+            </a:r>
+            <a:endParaRPr lang="zh-CN" altLang="en-US" dirty="0"/>
+          </a:p>
+        </p:txBody>
+      </p:sp>
     </p:spTree>
     <p:extLst>
       <p:ext uri="{BB962C8B-B14F-4D97-AF65-F5344CB8AC3E}">
-        <p14:creationId xmlns:p14="http://schemas.microsoft.com/office/powerpoint/2010/main" val="1536160576"/>
+        <p14:creationId xmlns:p14="http://schemas.microsoft.com/office/powerpoint/2010/main" val="4081268999"/>
+      </p:ext>
+    </p:extLst>
+  </p:cSld>
+  <p:clrMapOvr>
+    <a:masterClrMapping/>
+  </p:clrMapOvr>
+  <p:timing>
+    <p:tnLst>
+      <p:par>
+        <p:cTn id="1" dur="indefinite" restart="never" nodeType="tmRoot"/>
+      </p:par>
+    </p:tnLst>
+  </p:timing>
+</p:sld>
+</file>
+
+<file path=ppt/slides/slide9.xml><?xml version="1.0" encoding="utf-8"?>
+<p:sld xmlns:a="http://schemas.openxmlformats.org/drawingml/2006/main" xmlns:r="http://schemas.openxmlformats.org/officeDocument/2006/relationships" xmlns:p="http://schemas.openxmlformats.org/presentationml/2006/main">
+  <p:cSld>
+    <p:spTree>
+      <p:nvGrpSpPr>
+        <p:cNvPr id="1" name=""/>
+        <p:cNvGrpSpPr/>
+        <p:nvPr/>
+      </p:nvGrpSpPr>
+      <p:grpSpPr>
+        <a:xfrm>
+          <a:off x="0" y="0"/>
+          <a:ext cx="0" cy="0"/>
+          <a:chOff x="0" y="0"/>
+          <a:chExt cx="0" cy="0"/>
+        </a:xfrm>
+      </p:grpSpPr>
+      <p:sp>
+        <p:nvSpPr>
+          <p:cNvPr id="2" name="标题 1"/>
+          <p:cNvSpPr>
+            <a:spLocks noGrp="1"/>
+          </p:cNvSpPr>
+          <p:nvPr>
+            <p:ph type="title"/>
+          </p:nvPr>
+        </p:nvSpPr>
+        <p:spPr/>
+        <p:txBody>
+          <a:bodyPr>
+            <a:normAutofit fontScale="90000"/>
+          </a:bodyPr>
+          <a:lstStyle/>
+          <a:p>
+            <a:r>
+              <a:rPr lang="zh-CN" altLang="en-US" dirty="0" smtClean="0"/>
+              <a:t>类型边界 </a:t>
+            </a:r>
+            <a:r>
+              <a:rPr lang="en-US" altLang="zh-CN" dirty="0" smtClean="0"/>
+              <a:t>– </a:t>
+            </a:r>
+            <a:r>
+              <a:rPr lang="zh-CN" altLang="en-US" dirty="0" smtClean="0"/>
+              <a:t>下界</a:t>
+            </a:r>
+            <a:endParaRPr lang="zh-CN" altLang="en-US" dirty="0"/>
+          </a:p>
+        </p:txBody>
+      </p:sp>
+      <p:sp>
+        <p:nvSpPr>
+          <p:cNvPr id="3" name="内容占位符 2"/>
+          <p:cNvSpPr>
+            <a:spLocks noGrp="1"/>
+          </p:cNvSpPr>
+          <p:nvPr>
+            <p:ph idx="1"/>
+          </p:nvPr>
+        </p:nvSpPr>
+        <p:spPr/>
+        <p:txBody>
+          <a:bodyPr/>
+          <a:lstStyle/>
+          <a:p>
+            <a:r>
+              <a:rPr lang="en-US" altLang="zh-CN" dirty="0" smtClean="0"/>
+              <a:t>T </a:t>
+            </a:r>
+            <a:r>
+              <a:rPr lang="en-US" altLang="zh-CN" dirty="0" smtClean="0">
+                <a:solidFill>
+                  <a:srgbClr val="FF0000"/>
+                </a:solidFill>
+              </a:rPr>
+              <a:t>super</a:t>
+            </a:r>
+            <a:r>
+              <a:rPr lang="en-US" altLang="zh-CN" dirty="0" smtClean="0"/>
+              <a:t> Integer</a:t>
+            </a:r>
+          </a:p>
+          <a:p>
+            <a:pPr marL="0" indent="0">
+              <a:buNone/>
+            </a:pPr>
+            <a:r>
+              <a:rPr lang="zh-CN" altLang="en-US" dirty="0" smtClean="0"/>
+              <a:t>但是下界不能用于参类型参数中。</a:t>
+            </a:r>
+            <a:endParaRPr lang="en-US" altLang="zh-CN" dirty="0" smtClean="0"/>
+          </a:p>
+          <a:p>
+            <a:pPr marL="0" indent="0">
+              <a:buNone/>
+            </a:pPr>
+            <a:endParaRPr lang="zh-CN" altLang="en-US" dirty="0"/>
+          </a:p>
+        </p:txBody>
+      </p:sp>
+    </p:spTree>
+    <p:extLst>
+      <p:ext uri="{BB962C8B-B14F-4D97-AF65-F5344CB8AC3E}">
+        <p14:creationId xmlns:p14="http://schemas.microsoft.com/office/powerpoint/2010/main" val="1918292390"/>
       </p:ext>
     </p:extLst>
   </p:cSld>

--- a/java/docs/06-java-泛型.pptx
+++ b/java/docs/06-java-泛型.pptx
@@ -6,7 +6,7 @@
     <p:sldMasterId id="2147483660" r:id="rId2"/>
   </p:sldMasterIdLst>
   <p:notesMasterIdLst>
-    <p:notesMasterId r:id="rId14"/>
+    <p:notesMasterId r:id="rId13"/>
   </p:notesMasterIdLst>
   <p:sldIdLst>
     <p:sldId id="256" r:id="rId3"/>
@@ -16,10 +16,9 @@
     <p:sldId id="274" r:id="rId7"/>
     <p:sldId id="275" r:id="rId8"/>
     <p:sldId id="276" r:id="rId9"/>
-    <p:sldId id="279" r:id="rId10"/>
-    <p:sldId id="277" r:id="rId11"/>
-    <p:sldId id="278" r:id="rId12"/>
-    <p:sldId id="269" r:id="rId13"/>
+    <p:sldId id="277" r:id="rId10"/>
+    <p:sldId id="278" r:id="rId11"/>
+    <p:sldId id="269" r:id="rId12"/>
   </p:sldIdLst>
   <p:sldSz cx="9144000" cy="6858000" type="screen4x3"/>
   <p:notesSz cx="6858000" cy="9144000"/>
@@ -39680,76 +39679,6 @@
           <a:chExt cx="0" cy="0"/>
         </a:xfrm>
       </p:grpSpPr>
-      <p:sp>
-        <p:nvSpPr>
-          <p:cNvPr id="2" name="标题 1"/>
-          <p:cNvSpPr>
-            <a:spLocks noGrp="1"/>
-          </p:cNvSpPr>
-          <p:nvPr>
-            <p:ph type="title"/>
-          </p:nvPr>
-        </p:nvSpPr>
-        <p:spPr/>
-        <p:txBody>
-          <a:bodyPr>
-            <a:normAutofit fontScale="90000"/>
-          </a:bodyPr>
-          <a:lstStyle/>
-          <a:p>
-            <a:endParaRPr lang="zh-CN" altLang="en-US"/>
-          </a:p>
-        </p:txBody>
-      </p:sp>
-      <p:sp>
-        <p:nvSpPr>
-          <p:cNvPr id="3" name="内容占位符 2"/>
-          <p:cNvSpPr>
-            <a:spLocks noGrp="1"/>
-          </p:cNvSpPr>
-          <p:nvPr>
-            <p:ph idx="1"/>
-          </p:nvPr>
-        </p:nvSpPr>
-        <p:spPr/>
-        <p:txBody>
-          <a:bodyPr/>
-          <a:lstStyle/>
-          <a:p>
-            <a:endParaRPr lang="zh-CN" altLang="en-US"/>
-          </a:p>
-        </p:txBody>
-      </p:sp>
-    </p:spTree>
-    <p:extLst>
-      <p:ext uri="{BB962C8B-B14F-4D97-AF65-F5344CB8AC3E}">
-        <p14:creationId xmlns:p14="http://schemas.microsoft.com/office/powerpoint/2010/main" val="3507030116"/>
-      </p:ext>
-    </p:extLst>
-  </p:cSld>
-  <p:clrMapOvr>
-    <a:masterClrMapping/>
-  </p:clrMapOvr>
-</p:sld>
-</file>
-
-<file path=ppt/slides/slide11.xml><?xml version="1.0" encoding="utf-8"?>
-<p:sld xmlns:a="http://schemas.openxmlformats.org/drawingml/2006/main" xmlns:r="http://schemas.openxmlformats.org/officeDocument/2006/relationships" xmlns:p="http://schemas.openxmlformats.org/presentationml/2006/main">
-  <p:cSld>
-    <p:spTree>
-      <p:nvGrpSpPr>
-        <p:cNvPr id="1" name=""/>
-        <p:cNvGrpSpPr/>
-        <p:nvPr/>
-      </p:nvGrpSpPr>
-      <p:grpSpPr>
-        <a:xfrm>
-          <a:off x="0" y="0"/>
-          <a:ext cx="0" cy="0"/>
-          <a:chOff x="0" y="0"/>
-          <a:chExt cx="0" cy="0"/>
-        </a:xfrm>
-      </p:grpSpPr>
     </p:spTree>
     <p:extLst>
       <p:ext uri="{BB962C8B-B14F-4D97-AF65-F5344CB8AC3E}">
@@ -41226,133 +41155,6 @@
           <a:p>
             <a:r>
               <a:rPr lang="zh-CN" altLang="en-US" dirty="0" smtClean="0"/>
-              <a:t>使用通配符</a:t>
-            </a:r>
-            <a:endParaRPr lang="zh-CN" altLang="en-US" dirty="0"/>
-          </a:p>
-        </p:txBody>
-      </p:sp>
-      <p:sp>
-        <p:nvSpPr>
-          <p:cNvPr id="3" name="内容占位符 2"/>
-          <p:cNvSpPr>
-            <a:spLocks noGrp="1"/>
-          </p:cNvSpPr>
-          <p:nvPr>
-            <p:ph idx="1"/>
-          </p:nvPr>
-        </p:nvSpPr>
-        <p:spPr/>
-        <p:txBody>
-          <a:bodyPr/>
-          <a:lstStyle/>
-          <a:p>
-            <a:pPr marL="0" indent="0">
-              <a:buNone/>
-            </a:pPr>
-            <a:r>
-              <a:rPr lang="en-US" altLang="zh-CN" dirty="0"/>
-              <a:t>class Glass&lt;T&gt;{ </a:t>
-            </a:r>
-            <a:r>
-              <a:rPr lang="en-US" altLang="zh-CN" dirty="0" smtClean="0"/>
-              <a:t>}</a:t>
-            </a:r>
-          </a:p>
-          <a:p>
-            <a:pPr marL="0" indent="0">
-              <a:buNone/>
-            </a:pPr>
-            <a:r>
-              <a:rPr lang="en-US" altLang="zh-CN" dirty="0"/>
-              <a:t>class Tray{</a:t>
-            </a:r>
-          </a:p>
-          <a:p>
-            <a:pPr marL="0" indent="0">
-              <a:buNone/>
-            </a:pPr>
-            <a:r>
-              <a:rPr lang="en-US" altLang="zh-CN" dirty="0"/>
-              <a:t>public void add(Glass&lt;?&gt; </a:t>
-            </a:r>
-            <a:r>
-              <a:rPr lang="en-US" altLang="zh-CN" dirty="0" err="1"/>
-              <a:t>juiceGlass</a:t>
-            </a:r>
-            <a:r>
-              <a:rPr lang="en-US" altLang="zh-CN" dirty="0"/>
-              <a:t>){ }</a:t>
-            </a:r>
-          </a:p>
-          <a:p>
-            <a:pPr marL="0" indent="0">
-              <a:buNone/>
-            </a:pPr>
-            <a:r>
-              <a:rPr lang="en-US" altLang="zh-CN" dirty="0"/>
-              <a:t>}</a:t>
-            </a:r>
-            <a:endParaRPr lang="zh-CN" altLang="en-US" dirty="0"/>
-          </a:p>
-        </p:txBody>
-      </p:sp>
-    </p:spTree>
-    <p:extLst>
-      <p:ext uri="{BB962C8B-B14F-4D97-AF65-F5344CB8AC3E}">
-        <p14:creationId xmlns:p14="http://schemas.microsoft.com/office/powerpoint/2010/main" val="4081268999"/>
-      </p:ext>
-    </p:extLst>
-  </p:cSld>
-  <p:clrMapOvr>
-    <a:masterClrMapping/>
-  </p:clrMapOvr>
-  <p:timing>
-    <p:tnLst>
-      <p:par>
-        <p:cTn id="1" dur="indefinite" restart="never" nodeType="tmRoot"/>
-      </p:par>
-    </p:tnLst>
-  </p:timing>
-</p:sld>
-</file>
-
-<file path=ppt/slides/slide9.xml><?xml version="1.0" encoding="utf-8"?>
-<p:sld xmlns:a="http://schemas.openxmlformats.org/drawingml/2006/main" xmlns:r="http://schemas.openxmlformats.org/officeDocument/2006/relationships" xmlns:p="http://schemas.openxmlformats.org/presentationml/2006/main">
-  <p:cSld>
-    <p:spTree>
-      <p:nvGrpSpPr>
-        <p:cNvPr id="1" name=""/>
-        <p:cNvGrpSpPr/>
-        <p:nvPr/>
-      </p:nvGrpSpPr>
-      <p:grpSpPr>
-        <a:xfrm>
-          <a:off x="0" y="0"/>
-          <a:ext cx="0" cy="0"/>
-          <a:chOff x="0" y="0"/>
-          <a:chExt cx="0" cy="0"/>
-        </a:xfrm>
-      </p:grpSpPr>
-      <p:sp>
-        <p:nvSpPr>
-          <p:cNvPr id="2" name="标题 1"/>
-          <p:cNvSpPr>
-            <a:spLocks noGrp="1"/>
-          </p:cNvSpPr>
-          <p:nvPr>
-            <p:ph type="title"/>
-          </p:nvPr>
-        </p:nvSpPr>
-        <p:spPr/>
-        <p:txBody>
-          <a:bodyPr>
-            <a:normAutofit fontScale="90000"/>
-          </a:bodyPr>
-          <a:lstStyle/>
-          <a:p>
-            <a:r>
-              <a:rPr lang="zh-CN" altLang="en-US" dirty="0" smtClean="0"/>
               <a:t>类型边界 </a:t>
             </a:r>
             <a:r>
@@ -41413,6 +41215,21 @@
             <a:pPr marL="0" indent="0">
               <a:buNone/>
             </a:pPr>
+            <a:endParaRPr lang="en-US" altLang="zh-CN" dirty="0"/>
+          </a:p>
+          <a:p>
+            <a:pPr marL="0" indent="0">
+              <a:buNone/>
+            </a:pPr>
+            <a:r>
+              <a:rPr lang="en-US" altLang="zh-CN" dirty="0" smtClean="0"/>
+              <a:t>GenericsExample.java</a:t>
+            </a:r>
+          </a:p>
+          <a:p>
+            <a:pPr marL="0" indent="0">
+              <a:buNone/>
+            </a:pPr>
             <a:endParaRPr lang="zh-CN" altLang="en-US" dirty="0"/>
           </a:p>
         </p:txBody>
@@ -41427,6 +41244,90 @@
   <p:clrMapOvr>
     <a:masterClrMapping/>
   </p:clrMapOvr>
+  <p:timing>
+    <p:tnLst>
+      <p:par>
+        <p:cTn id="1" dur="indefinite" restart="never" nodeType="tmRoot"/>
+      </p:par>
+    </p:tnLst>
+  </p:timing>
+</p:sld>
+</file>
+
+<file path=ppt/slides/slide9.xml><?xml version="1.0" encoding="utf-8"?>
+<p:sld xmlns:a="http://schemas.openxmlformats.org/drawingml/2006/main" xmlns:r="http://schemas.openxmlformats.org/officeDocument/2006/relationships" xmlns:p="http://schemas.openxmlformats.org/presentationml/2006/main">
+  <p:cSld>
+    <p:spTree>
+      <p:nvGrpSpPr>
+        <p:cNvPr id="1" name=""/>
+        <p:cNvGrpSpPr/>
+        <p:nvPr/>
+      </p:nvGrpSpPr>
+      <p:grpSpPr>
+        <a:xfrm>
+          <a:off x="0" y="0"/>
+          <a:ext cx="0" cy="0"/>
+          <a:chOff x="0" y="0"/>
+          <a:chExt cx="0" cy="0"/>
+        </a:xfrm>
+      </p:grpSpPr>
+      <p:sp>
+        <p:nvSpPr>
+          <p:cNvPr id="2" name="标题 1"/>
+          <p:cNvSpPr>
+            <a:spLocks noGrp="1"/>
+          </p:cNvSpPr>
+          <p:nvPr>
+            <p:ph type="title"/>
+          </p:nvPr>
+        </p:nvSpPr>
+        <p:spPr/>
+        <p:txBody>
+          <a:bodyPr>
+            <a:normAutofit fontScale="90000"/>
+          </a:bodyPr>
+          <a:lstStyle/>
+          <a:p>
+            <a:endParaRPr lang="zh-CN" altLang="en-US"/>
+          </a:p>
+        </p:txBody>
+      </p:sp>
+      <p:sp>
+        <p:nvSpPr>
+          <p:cNvPr id="3" name="内容占位符 2"/>
+          <p:cNvSpPr>
+            <a:spLocks noGrp="1"/>
+          </p:cNvSpPr>
+          <p:nvPr>
+            <p:ph idx="1"/>
+          </p:nvPr>
+        </p:nvSpPr>
+        <p:spPr/>
+        <p:txBody>
+          <a:bodyPr/>
+          <a:lstStyle/>
+          <a:p>
+            <a:endParaRPr lang="zh-CN" altLang="en-US"/>
+          </a:p>
+        </p:txBody>
+      </p:sp>
+    </p:spTree>
+    <p:extLst>
+      <p:ext uri="{BB962C8B-B14F-4D97-AF65-F5344CB8AC3E}">
+        <p14:creationId xmlns:p14="http://schemas.microsoft.com/office/powerpoint/2010/main" val="3507030116"/>
+      </p:ext>
+    </p:extLst>
+  </p:cSld>
+  <p:clrMapOvr>
+    <a:masterClrMapping/>
+  </p:clrMapOvr>
+  <p:timing>
+    <p:tnLst>
+      <p:par>
+        <p:cTn id="1" dur="indefinite" restart="never" nodeType="tmRoot"/>
+      </p:par>
+    </p:tnLst>
+  </p:timing>
 </p:sld>
 </file>
 

--- a/java/docs/06-java-泛型.pptx
+++ b/java/docs/06-java-泛型.pptx
@@ -6,7 +6,7 @@
     <p:sldMasterId id="2147483660" r:id="rId2"/>
   </p:sldMasterIdLst>
   <p:notesMasterIdLst>
-    <p:notesMasterId r:id="rId13"/>
+    <p:notesMasterId r:id="rId16"/>
   </p:notesMasterIdLst>
   <p:sldIdLst>
     <p:sldId id="256" r:id="rId3"/>
@@ -17,8 +17,11 @@
     <p:sldId id="275" r:id="rId8"/>
     <p:sldId id="276" r:id="rId9"/>
     <p:sldId id="277" r:id="rId10"/>
-    <p:sldId id="278" r:id="rId11"/>
-    <p:sldId id="269" r:id="rId12"/>
+    <p:sldId id="281" r:id="rId11"/>
+    <p:sldId id="278" r:id="rId12"/>
+    <p:sldId id="279" r:id="rId13"/>
+    <p:sldId id="280" r:id="rId14"/>
+    <p:sldId id="269" r:id="rId15"/>
   </p:sldIdLst>
   <p:sldSz cx="9144000" cy="6858000" type="screen4x3"/>
   <p:notesSz cx="6858000" cy="9144000"/>
@@ -39679,6 +39682,630 @@
           <a:chExt cx="0" cy="0"/>
         </a:xfrm>
       </p:grpSpPr>
+      <p:sp>
+        <p:nvSpPr>
+          <p:cNvPr id="2" name="标题 1"/>
+          <p:cNvSpPr>
+            <a:spLocks noGrp="1"/>
+          </p:cNvSpPr>
+          <p:nvPr>
+            <p:ph type="title"/>
+          </p:nvPr>
+        </p:nvSpPr>
+        <p:spPr/>
+        <p:txBody>
+          <a:bodyPr>
+            <a:normAutofit fontScale="90000"/>
+          </a:bodyPr>
+          <a:lstStyle/>
+          <a:p>
+            <a:r>
+              <a:rPr lang="zh-CN" altLang="en-US" dirty="0" smtClean="0"/>
+              <a:t>类型擦除</a:t>
+            </a:r>
+            <a:endParaRPr lang="zh-CN" altLang="en-US" dirty="0"/>
+          </a:p>
+        </p:txBody>
+      </p:sp>
+      <p:sp>
+        <p:nvSpPr>
+          <p:cNvPr id="3" name="内容占位符 2"/>
+          <p:cNvSpPr>
+            <a:spLocks noGrp="1"/>
+          </p:cNvSpPr>
+          <p:nvPr>
+            <p:ph idx="1"/>
+          </p:nvPr>
+        </p:nvSpPr>
+        <p:spPr>
+          <a:xfrm>
+            <a:off x="457200" y="1052736"/>
+            <a:ext cx="8229600" cy="5073427"/>
+          </a:xfrm>
+        </p:spPr>
+        <p:txBody>
+          <a:bodyPr>
+            <a:normAutofit fontScale="85000" lnSpcReduction="20000"/>
+          </a:bodyPr>
+          <a:lstStyle/>
+          <a:p>
+            <a:pPr marL="0" indent="0">
+              <a:buNone/>
+            </a:pPr>
+            <a:r>
+              <a:rPr lang="en-US" altLang="zh-CN" dirty="0"/>
+              <a:t>public class Test&lt;T extends Comparable&lt;T&gt;&gt; {</a:t>
+            </a:r>
+          </a:p>
+          <a:p>
+            <a:pPr marL="0" indent="0">
+              <a:buNone/>
+            </a:pPr>
+            <a:endParaRPr lang="en-US" altLang="zh-CN" dirty="0"/>
+          </a:p>
+          <a:p>
+            <a:pPr marL="0" indent="0">
+              <a:buNone/>
+            </a:pPr>
+            <a:r>
+              <a:rPr lang="en-US" altLang="zh-CN" dirty="0"/>
+              <a:t>    private T data;</a:t>
+            </a:r>
+          </a:p>
+          <a:p>
+            <a:pPr marL="0" indent="0">
+              <a:buNone/>
+            </a:pPr>
+            <a:r>
+              <a:rPr lang="en-US" altLang="zh-CN" dirty="0"/>
+              <a:t>    private Test&lt;T&gt; next;</a:t>
+            </a:r>
+          </a:p>
+          <a:p>
+            <a:pPr marL="0" indent="0">
+              <a:buNone/>
+            </a:pPr>
+            <a:endParaRPr lang="en-US" altLang="zh-CN" dirty="0"/>
+          </a:p>
+          <a:p>
+            <a:pPr marL="0" indent="0">
+              <a:buNone/>
+            </a:pPr>
+            <a:r>
+              <a:rPr lang="en-US" altLang="zh-CN" dirty="0"/>
+              <a:t>    public Test(T d, Test&lt;T&gt; n) {</a:t>
+            </a:r>
+          </a:p>
+          <a:p>
+            <a:pPr marL="0" indent="0">
+              <a:buNone/>
+            </a:pPr>
+            <a:r>
+              <a:rPr lang="en-US" altLang="zh-CN" dirty="0"/>
+              <a:t>        </a:t>
+            </a:r>
+            <a:r>
+              <a:rPr lang="en-US" altLang="zh-CN" dirty="0" err="1"/>
+              <a:t>this.data</a:t>
+            </a:r>
+            <a:r>
+              <a:rPr lang="en-US" altLang="zh-CN" dirty="0"/>
+              <a:t> = d;</a:t>
+            </a:r>
+          </a:p>
+          <a:p>
+            <a:pPr marL="0" indent="0">
+              <a:buNone/>
+            </a:pPr>
+            <a:r>
+              <a:rPr lang="en-US" altLang="zh-CN" dirty="0"/>
+              <a:t>        </a:t>
+            </a:r>
+            <a:r>
+              <a:rPr lang="en-US" altLang="zh-CN" dirty="0" err="1"/>
+              <a:t>this.next</a:t>
+            </a:r>
+            <a:r>
+              <a:rPr lang="en-US" altLang="zh-CN" dirty="0"/>
+              <a:t> = n;</a:t>
+            </a:r>
+          </a:p>
+          <a:p>
+            <a:pPr marL="0" indent="0">
+              <a:buNone/>
+            </a:pPr>
+            <a:r>
+              <a:rPr lang="en-US" altLang="zh-CN" dirty="0"/>
+              <a:t>    }</a:t>
+            </a:r>
+          </a:p>
+          <a:p>
+            <a:pPr marL="0" indent="0">
+              <a:buNone/>
+            </a:pPr>
+            <a:endParaRPr lang="en-US" altLang="zh-CN" dirty="0"/>
+          </a:p>
+          <a:p>
+            <a:pPr marL="0" indent="0">
+              <a:buNone/>
+            </a:pPr>
+            <a:r>
+              <a:rPr lang="en-US" altLang="zh-CN" dirty="0"/>
+              <a:t>    public T </a:t>
+            </a:r>
+            <a:r>
+              <a:rPr lang="en-US" altLang="zh-CN" dirty="0" err="1"/>
+              <a:t>getData</a:t>
+            </a:r>
+            <a:r>
+              <a:rPr lang="en-US" altLang="zh-CN" dirty="0"/>
+              <a:t>() { return </a:t>
+            </a:r>
+            <a:r>
+              <a:rPr lang="en-US" altLang="zh-CN" dirty="0" err="1"/>
+              <a:t>this.data</a:t>
+            </a:r>
+            <a:r>
+              <a:rPr lang="en-US" altLang="zh-CN" dirty="0"/>
+              <a:t>; }</a:t>
+            </a:r>
+          </a:p>
+          <a:p>
+            <a:pPr marL="0" indent="0">
+              <a:buNone/>
+            </a:pPr>
+            <a:r>
+              <a:rPr lang="en-US" altLang="zh-CN" dirty="0"/>
+              <a:t>}</a:t>
+            </a:r>
+            <a:endParaRPr lang="zh-CN" altLang="en-US" dirty="0"/>
+          </a:p>
+        </p:txBody>
+      </p:sp>
+    </p:spTree>
+    <p:extLst>
+      <p:ext uri="{BB962C8B-B14F-4D97-AF65-F5344CB8AC3E}">
+        <p14:creationId xmlns:p14="http://schemas.microsoft.com/office/powerpoint/2010/main" val="3507030116"/>
+      </p:ext>
+    </p:extLst>
+  </p:cSld>
+  <p:clrMapOvr>
+    <a:masterClrMapping/>
+  </p:clrMapOvr>
+  <p:timing>
+    <p:tnLst>
+      <p:par>
+        <p:cTn id="1" dur="indefinite" restart="never" nodeType="tmRoot"/>
+      </p:par>
+    </p:tnLst>
+  </p:timing>
+</p:sld>
+</file>
+
+<file path=ppt/slides/slide11.xml><?xml version="1.0" encoding="utf-8"?>
+<p:sld xmlns:a="http://schemas.openxmlformats.org/drawingml/2006/main" xmlns:r="http://schemas.openxmlformats.org/officeDocument/2006/relationships" xmlns:p="http://schemas.openxmlformats.org/presentationml/2006/main">
+  <p:cSld>
+    <p:spTree>
+      <p:nvGrpSpPr>
+        <p:cNvPr id="1" name=""/>
+        <p:cNvGrpSpPr/>
+        <p:nvPr/>
+      </p:nvGrpSpPr>
+      <p:grpSpPr>
+        <a:xfrm>
+          <a:off x="0" y="0"/>
+          <a:ext cx="0" cy="0"/>
+          <a:chOff x="0" y="0"/>
+          <a:chExt cx="0" cy="0"/>
+        </a:xfrm>
+      </p:grpSpPr>
+      <p:sp>
+        <p:nvSpPr>
+          <p:cNvPr id="2" name="标题 1"/>
+          <p:cNvSpPr>
+            <a:spLocks noGrp="1"/>
+          </p:cNvSpPr>
+          <p:nvPr>
+            <p:ph type="title"/>
+          </p:nvPr>
+        </p:nvSpPr>
+        <p:spPr/>
+        <p:txBody>
+          <a:bodyPr>
+            <a:normAutofit fontScale="90000"/>
+          </a:bodyPr>
+          <a:lstStyle/>
+          <a:p>
+            <a:r>
+              <a:rPr lang="zh-CN" altLang="en-US" dirty="0"/>
+              <a:t>类型擦除</a:t>
+            </a:r>
+          </a:p>
+        </p:txBody>
+      </p:sp>
+      <p:sp>
+        <p:nvSpPr>
+          <p:cNvPr id="3" name="内容占位符 2"/>
+          <p:cNvSpPr>
+            <a:spLocks noGrp="1"/>
+          </p:cNvSpPr>
+          <p:nvPr>
+            <p:ph idx="1"/>
+          </p:nvPr>
+        </p:nvSpPr>
+        <p:spPr>
+          <a:xfrm>
+            <a:off x="251520" y="980728"/>
+            <a:ext cx="8435280" cy="5145435"/>
+          </a:xfrm>
+        </p:spPr>
+        <p:txBody>
+          <a:bodyPr>
+            <a:normAutofit fontScale="85000" lnSpcReduction="10000"/>
+          </a:bodyPr>
+          <a:lstStyle/>
+          <a:p>
+            <a:pPr marL="0" indent="0">
+              <a:buNone/>
+            </a:pPr>
+            <a:r>
+              <a:rPr lang="en-US" altLang="zh-CN" dirty="0"/>
+              <a:t>public class Test </a:t>
+            </a:r>
+            <a:r>
+              <a:rPr lang="en-US" altLang="zh-CN" dirty="0" smtClean="0"/>
+              <a:t>{</a:t>
+            </a:r>
+            <a:endParaRPr lang="en-US" altLang="zh-CN" dirty="0"/>
+          </a:p>
+          <a:p>
+            <a:pPr marL="0" indent="0">
+              <a:buNone/>
+            </a:pPr>
+            <a:r>
+              <a:rPr lang="en-US" altLang="zh-CN" dirty="0"/>
+              <a:t>    private Comparable data;</a:t>
+            </a:r>
+          </a:p>
+          <a:p>
+            <a:pPr marL="0" indent="0">
+              <a:buNone/>
+            </a:pPr>
+            <a:r>
+              <a:rPr lang="en-US" altLang="zh-CN" dirty="0"/>
+              <a:t>    private Test next;</a:t>
+            </a:r>
+          </a:p>
+          <a:p>
+            <a:pPr marL="0" indent="0">
+              <a:buNone/>
+            </a:pPr>
+            <a:endParaRPr lang="en-US" altLang="zh-CN" dirty="0"/>
+          </a:p>
+          <a:p>
+            <a:pPr marL="0" indent="0">
+              <a:buNone/>
+            </a:pPr>
+            <a:r>
+              <a:rPr lang="en-US" altLang="zh-CN" dirty="0"/>
+              <a:t>    public Node(Comparable d, Test n) {</a:t>
+            </a:r>
+          </a:p>
+          <a:p>
+            <a:pPr marL="0" indent="0">
+              <a:buNone/>
+            </a:pPr>
+            <a:r>
+              <a:rPr lang="en-US" altLang="zh-CN" dirty="0"/>
+              <a:t>        </a:t>
+            </a:r>
+            <a:r>
+              <a:rPr lang="en-US" altLang="zh-CN" dirty="0" err="1"/>
+              <a:t>this.data</a:t>
+            </a:r>
+            <a:r>
+              <a:rPr lang="en-US" altLang="zh-CN" dirty="0"/>
+              <a:t> = d;</a:t>
+            </a:r>
+          </a:p>
+          <a:p>
+            <a:pPr marL="0" indent="0">
+              <a:buNone/>
+            </a:pPr>
+            <a:r>
+              <a:rPr lang="en-US" altLang="zh-CN" dirty="0"/>
+              <a:t>        </a:t>
+            </a:r>
+            <a:r>
+              <a:rPr lang="en-US" altLang="zh-CN" dirty="0" err="1"/>
+              <a:t>this.next</a:t>
+            </a:r>
+            <a:r>
+              <a:rPr lang="en-US" altLang="zh-CN" dirty="0"/>
+              <a:t> = n;</a:t>
+            </a:r>
+          </a:p>
+          <a:p>
+            <a:pPr marL="0" indent="0">
+              <a:buNone/>
+            </a:pPr>
+            <a:r>
+              <a:rPr lang="en-US" altLang="zh-CN" dirty="0"/>
+              <a:t>    }</a:t>
+            </a:r>
+          </a:p>
+          <a:p>
+            <a:pPr marL="0" indent="0">
+              <a:buNone/>
+            </a:pPr>
+            <a:endParaRPr lang="en-US" altLang="zh-CN" dirty="0"/>
+          </a:p>
+          <a:p>
+            <a:pPr marL="0" indent="0">
+              <a:buNone/>
+            </a:pPr>
+            <a:r>
+              <a:rPr lang="en-US" altLang="zh-CN" dirty="0"/>
+              <a:t>    public Comparable </a:t>
+            </a:r>
+            <a:r>
+              <a:rPr lang="en-US" altLang="zh-CN" dirty="0" err="1"/>
+              <a:t>getData</a:t>
+            </a:r>
+            <a:r>
+              <a:rPr lang="en-US" altLang="zh-CN" dirty="0"/>
+              <a:t>() { return data; }</a:t>
+            </a:r>
+          </a:p>
+          <a:p>
+            <a:pPr marL="0" indent="0">
+              <a:buNone/>
+            </a:pPr>
+            <a:r>
+              <a:rPr lang="en-US" altLang="zh-CN" dirty="0" smtClean="0"/>
+              <a:t>}</a:t>
+            </a:r>
+          </a:p>
+          <a:p>
+            <a:endParaRPr lang="zh-CN" altLang="en-US" dirty="0"/>
+          </a:p>
+        </p:txBody>
+      </p:sp>
+    </p:spTree>
+    <p:extLst>
+      <p:ext uri="{BB962C8B-B14F-4D97-AF65-F5344CB8AC3E}">
+        <p14:creationId xmlns:p14="http://schemas.microsoft.com/office/powerpoint/2010/main" val="221707769"/>
+      </p:ext>
+    </p:extLst>
+  </p:cSld>
+  <p:clrMapOvr>
+    <a:masterClrMapping/>
+  </p:clrMapOvr>
+  <p:timing>
+    <p:tnLst>
+      <p:par>
+        <p:cTn id="1" dur="indefinite" restart="never" nodeType="tmRoot"/>
+      </p:par>
+    </p:tnLst>
+  </p:timing>
+</p:sld>
+</file>
+
+<file path=ppt/slides/slide12.xml><?xml version="1.0" encoding="utf-8"?>
+<p:sld xmlns:a="http://schemas.openxmlformats.org/drawingml/2006/main" xmlns:r="http://schemas.openxmlformats.org/officeDocument/2006/relationships" xmlns:p="http://schemas.openxmlformats.org/presentationml/2006/main">
+  <p:cSld>
+    <p:spTree>
+      <p:nvGrpSpPr>
+        <p:cNvPr id="1" name=""/>
+        <p:cNvGrpSpPr/>
+        <p:nvPr/>
+      </p:nvGrpSpPr>
+      <p:grpSpPr>
+        <a:xfrm>
+          <a:off x="0" y="0"/>
+          <a:ext cx="0" cy="0"/>
+          <a:chOff x="0" y="0"/>
+          <a:chExt cx="0" cy="0"/>
+        </a:xfrm>
+      </p:grpSpPr>
+      <p:sp>
+        <p:nvSpPr>
+          <p:cNvPr id="2" name="标题 1"/>
+          <p:cNvSpPr>
+            <a:spLocks noGrp="1"/>
+          </p:cNvSpPr>
+          <p:nvPr>
+            <p:ph type="title"/>
+          </p:nvPr>
+        </p:nvSpPr>
+        <p:spPr/>
+        <p:txBody>
+          <a:bodyPr>
+            <a:normAutofit fontScale="90000"/>
+          </a:bodyPr>
+          <a:lstStyle/>
+          <a:p>
+            <a:r>
+              <a:rPr lang="zh-CN" altLang="en-US" dirty="0"/>
+              <a:t>类型擦除</a:t>
+            </a:r>
+          </a:p>
+        </p:txBody>
+      </p:sp>
+      <p:sp>
+        <p:nvSpPr>
+          <p:cNvPr id="3" name="内容占位符 2"/>
+          <p:cNvSpPr>
+            <a:spLocks noGrp="1"/>
+          </p:cNvSpPr>
+          <p:nvPr>
+            <p:ph idx="1"/>
+          </p:nvPr>
+        </p:nvSpPr>
+        <p:spPr/>
+        <p:txBody>
+          <a:bodyPr>
+            <a:normAutofit fontScale="92500"/>
+          </a:bodyPr>
+          <a:lstStyle/>
+          <a:p>
+            <a:r>
+              <a:rPr lang="zh-CN" altLang="en-US" dirty="0"/>
+              <a:t>在运行时不会因为类型参数化创建新的类</a:t>
+            </a:r>
+            <a:endParaRPr lang="en-US" altLang="zh-CN" dirty="0"/>
+          </a:p>
+          <a:p>
+            <a:r>
+              <a:rPr lang="zh-CN" altLang="en-US" dirty="0"/>
+              <a:t>参数化只用在编译时进行类型检查时使用</a:t>
+            </a:r>
+            <a:endParaRPr lang="en-US" altLang="zh-CN" dirty="0"/>
+          </a:p>
+          <a:p>
+            <a:r>
+              <a:rPr lang="en-US" altLang="zh-CN" dirty="0"/>
+              <a:t>Test&lt;?&gt;, Test&lt;? extend  T&gt;, Test&lt;T&gt; ==&gt;Test  </a:t>
+            </a:r>
+            <a:r>
+              <a:rPr lang="zh-CN" altLang="en-US" dirty="0"/>
+              <a:t>方法重载时</a:t>
+            </a:r>
+            <a:r>
+              <a:rPr lang="zh-CN" altLang="en-US" dirty="0" smtClean="0"/>
+              <a:t>注意</a:t>
+            </a:r>
+            <a:endParaRPr lang="en-US" altLang="zh-CN" dirty="0" smtClean="0"/>
+          </a:p>
+          <a:p>
+            <a:pPr marL="0" indent="0">
+              <a:buNone/>
+            </a:pPr>
+            <a:endParaRPr lang="en-US" altLang="zh-CN" dirty="0"/>
+          </a:p>
+          <a:p>
+            <a:r>
+              <a:rPr lang="zh-CN" altLang="en-US" sz="2600" dirty="0" smtClean="0">
+                <a:solidFill>
+                  <a:srgbClr val="C00000"/>
+                </a:solidFill>
+              </a:rPr>
+              <a:t>问题： 如果上述的</a:t>
+            </a:r>
+            <a:r>
+              <a:rPr lang="en-US" altLang="zh-CN" sz="2600" dirty="0" smtClean="0">
+                <a:solidFill>
+                  <a:srgbClr val="C00000"/>
+                </a:solidFill>
+              </a:rPr>
+              <a:t>Test</a:t>
+            </a:r>
+            <a:r>
+              <a:rPr lang="zh-CN" altLang="en-US" sz="2600" dirty="0" smtClean="0">
+                <a:solidFill>
+                  <a:srgbClr val="C00000"/>
+                </a:solidFill>
+              </a:rPr>
+              <a:t>类改为如下，类型擦除的结果如何？</a:t>
+            </a:r>
+            <a:endParaRPr lang="en-US" altLang="zh-CN" sz="2600" dirty="0" smtClean="0">
+              <a:solidFill>
+                <a:srgbClr val="C00000"/>
+              </a:solidFill>
+            </a:endParaRPr>
+          </a:p>
+          <a:p>
+            <a:pPr marL="0" indent="0">
+              <a:buNone/>
+            </a:pPr>
+            <a:r>
+              <a:rPr lang="en-US" altLang="zh-CN" sz="2600" dirty="0">
+                <a:solidFill>
+                  <a:srgbClr val="C00000"/>
+                </a:solidFill>
+              </a:rPr>
+              <a:t>public class </a:t>
+            </a:r>
+            <a:r>
+              <a:rPr lang="en-US" altLang="zh-CN" sz="2600" dirty="0" smtClean="0">
+                <a:solidFill>
+                  <a:srgbClr val="C00000"/>
+                </a:solidFill>
+              </a:rPr>
+              <a:t>Test&lt;T&gt; {</a:t>
+            </a:r>
+          </a:p>
+          <a:p>
+            <a:pPr marL="0" indent="0">
+              <a:buNone/>
+            </a:pPr>
+            <a:r>
+              <a:rPr lang="en-US" altLang="zh-CN" sz="2600" dirty="0" smtClean="0">
+                <a:solidFill>
+                  <a:srgbClr val="C00000"/>
+                </a:solidFill>
+              </a:rPr>
+              <a:t>…..</a:t>
+            </a:r>
+          </a:p>
+          <a:p>
+            <a:pPr marL="0" indent="0">
+              <a:buNone/>
+            </a:pPr>
+            <a:r>
+              <a:rPr lang="en-US" altLang="zh-CN" sz="2600" dirty="0">
+                <a:solidFill>
+                  <a:srgbClr val="C00000"/>
+                </a:solidFill>
+              </a:rPr>
+              <a:t>}</a:t>
+            </a:r>
+          </a:p>
+          <a:p>
+            <a:pPr marL="0" indent="0">
+              <a:buNone/>
+            </a:pPr>
+            <a:endParaRPr lang="zh-CN" altLang="en-US" dirty="0"/>
+          </a:p>
+        </p:txBody>
+      </p:sp>
+    </p:spTree>
+    <p:extLst>
+      <p:ext uri="{BB962C8B-B14F-4D97-AF65-F5344CB8AC3E}">
+        <p14:creationId xmlns:p14="http://schemas.microsoft.com/office/powerpoint/2010/main" val="3188189583"/>
+      </p:ext>
+    </p:extLst>
+  </p:cSld>
+  <p:clrMapOvr>
+    <a:masterClrMapping/>
+  </p:clrMapOvr>
+  <p:timing>
+    <p:tnLst>
+      <p:par>
+        <p:cTn id="1" dur="indefinite" restart="never" nodeType="tmRoot"/>
+      </p:par>
+    </p:tnLst>
+  </p:timing>
+</p:sld>
+</file>
+
+<file path=ppt/slides/slide13.xml><?xml version="1.0" encoding="utf-8"?>
+<p:sld xmlns:a="http://schemas.openxmlformats.org/drawingml/2006/main" xmlns:r="http://schemas.openxmlformats.org/officeDocument/2006/relationships" xmlns:p="http://schemas.openxmlformats.org/presentationml/2006/main">
+  <p:cSld>
+    <p:spTree>
+      <p:nvGrpSpPr>
+        <p:cNvPr id="1" name=""/>
+        <p:cNvGrpSpPr/>
+        <p:nvPr/>
+      </p:nvGrpSpPr>
+      <p:grpSpPr>
+        <a:xfrm>
+          <a:off x="0" y="0"/>
+          <a:ext cx="0" cy="0"/>
+          <a:chOff x="0" y="0"/>
+          <a:chExt cx="0" cy="0"/>
+        </a:xfrm>
+      </p:grpSpPr>
     </p:spTree>
     <p:extLst>
       <p:ext uri="{BB962C8B-B14F-4D97-AF65-F5344CB8AC3E}">
@@ -39689,6 +40316,13 @@
   <p:clrMapOvr>
     <a:masterClrMapping/>
   </p:clrMapOvr>
+  <p:timing>
+    <p:tnLst>
+      <p:par>
+        <p:cTn id="1" dur="indefinite" restart="never" nodeType="tmRoot"/>
+      </p:par>
+    </p:tnLst>
+  </p:timing>
 </p:sld>
 </file>
 
@@ -40768,10 +41402,15 @@
             <p:ph idx="1"/>
           </p:nvPr>
         </p:nvSpPr>
-        <p:spPr/>
+        <p:spPr>
+          <a:xfrm>
+            <a:off x="457200" y="836712"/>
+            <a:ext cx="8229600" cy="5289451"/>
+          </a:xfrm>
+        </p:spPr>
         <p:txBody>
           <a:bodyPr>
-            <a:normAutofit fontScale="47500" lnSpcReduction="20000"/>
+            <a:normAutofit fontScale="55000" lnSpcReduction="20000"/>
           </a:bodyPr>
           <a:lstStyle/>
           <a:p>
@@ -41029,7 +41668,51 @@
             </a:r>
             <a:r>
               <a:rPr lang="en-US" altLang="zh-CN" dirty="0" smtClean="0"/>
-              <a:t>&gt;(5, 8) ;</a:t>
+              <a:t>&gt;(5, 8) </a:t>
+            </a:r>
+            <a:r>
+              <a:rPr lang="en-US" altLang="zh-CN" dirty="0" smtClean="0"/>
+              <a:t>;</a:t>
+            </a:r>
+          </a:p>
+          <a:p>
+            <a:r>
+              <a:rPr lang="zh-CN" altLang="en-US" dirty="0" smtClean="0"/>
+              <a:t>上界可以是一个类和多个接口</a:t>
+            </a:r>
+            <a:endParaRPr lang="en-US" altLang="zh-CN" dirty="0" smtClean="0"/>
+          </a:p>
+          <a:p>
+            <a:pPr marL="0" indent="0">
+              <a:buNone/>
+            </a:pPr>
+            <a:r>
+              <a:rPr lang="en-US" altLang="zh-CN" dirty="0"/>
+              <a:t>&lt;T extends </a:t>
+            </a:r>
+            <a:r>
+              <a:rPr lang="en-US" altLang="zh-CN" dirty="0" err="1"/>
+              <a:t>ClassA</a:t>
+            </a:r>
+            <a:r>
+              <a:rPr lang="en-US" altLang="zh-CN" dirty="0"/>
+              <a:t> &amp; </a:t>
+            </a:r>
+            <a:r>
+              <a:rPr lang="en-US" altLang="zh-CN" dirty="0" err="1" smtClean="0"/>
+              <a:t>InterfaceB</a:t>
+            </a:r>
+            <a:r>
+              <a:rPr lang="en-US" altLang="zh-CN" dirty="0" smtClean="0"/>
+              <a:t>&amp;….&amp;</a:t>
+            </a:r>
+            <a:r>
+              <a:rPr lang="en-US" altLang="zh-CN" dirty="0" err="1" smtClean="0"/>
+              <a:t>InterfaceN</a:t>
+            </a:r>
+            <a:r>
+              <a:rPr lang="en-US" altLang="zh-CN" dirty="0" smtClean="0"/>
+              <a:t>&gt;</a:t>
             </a:r>
             <a:endParaRPr lang="zh-CN" altLang="en-US" dirty="0"/>
           </a:p>
@@ -41288,7 +41971,10 @@
           </a:bodyPr>
           <a:lstStyle/>
           <a:p>
-            <a:endParaRPr lang="zh-CN" altLang="en-US"/>
+            <a:r>
+              <a:rPr lang="zh-CN" altLang="en-US" dirty="0"/>
+              <a:t>类型边界</a:t>
+            </a:r>
           </a:p>
         </p:txBody>
       </p:sp>
@@ -41307,27 +41993,50 @@
           <a:bodyPr/>
           <a:lstStyle/>
           <a:p>
-            <a:endParaRPr lang="zh-CN" altLang="en-US"/>
+            <a:r>
+              <a:rPr lang="zh-CN" altLang="en-US" dirty="0" smtClean="0"/>
+              <a:t>边界类型不能是基本类型或数组</a:t>
+            </a:r>
+            <a:endParaRPr lang="en-US" altLang="zh-CN" dirty="0" smtClean="0"/>
+          </a:p>
+          <a:p>
+            <a:pPr marL="0" indent="0">
+              <a:buNone/>
+            </a:pPr>
+            <a:r>
+              <a:rPr lang="en-US" altLang="zh-CN" dirty="0" smtClean="0"/>
+              <a:t>&lt;T extend </a:t>
+            </a:r>
+            <a:r>
+              <a:rPr lang="en-US" altLang="zh-CN" dirty="0" err="1" smtClean="0"/>
+              <a:t>int</a:t>
+            </a:r>
+            <a:r>
+              <a:rPr lang="en-US" altLang="zh-CN" dirty="0" smtClean="0"/>
+              <a:t>&gt;</a:t>
+            </a:r>
+          </a:p>
+          <a:p>
+            <a:pPr marL="0" indent="0">
+              <a:buNone/>
+            </a:pPr>
+            <a:r>
+              <a:rPr lang="en-US" altLang="zh-CN" dirty="0" smtClean="0"/>
+              <a:t>&lt;T extend Number[]&gt;</a:t>
+            </a:r>
           </a:p>
         </p:txBody>
       </p:sp>
     </p:spTree>
     <p:extLst>
       <p:ext uri="{BB962C8B-B14F-4D97-AF65-F5344CB8AC3E}">
-        <p14:creationId xmlns:p14="http://schemas.microsoft.com/office/powerpoint/2010/main" val="3507030116"/>
+        <p14:creationId xmlns:p14="http://schemas.microsoft.com/office/powerpoint/2010/main" val="3569006046"/>
       </p:ext>
     </p:extLst>
   </p:cSld>
   <p:clrMapOvr>
     <a:masterClrMapping/>
   </p:clrMapOvr>
-  <p:timing>
-    <p:tnLst>
-      <p:par>
-        <p:cTn id="1" dur="indefinite" restart="never" nodeType="tmRoot"/>
-      </p:par>
-    </p:tnLst>
-  </p:timing>
 </p:sld>
 </file>
 

--- a/java/docs/06-java-泛型.pptx
+++ b/java/docs/06-java-泛型.pptx
@@ -205,7 +205,7 @@
           <a:p>
             <a:fld id="{D6CB015B-B7FF-4093-8E19-9AD7339689D2}" type="datetimeFigureOut">
               <a:rPr lang="zh-CN" altLang="en-US" smtClean="0"/>
-              <a:t>2017/12/4</a:t>
+              <a:t>2017/12/5</a:t>
             </a:fld>
             <a:endParaRPr lang="zh-CN" altLang="en-US"/>
           </a:p>
@@ -2076,7 +2076,7 @@
             <a:fld id="{B35E7478-ADE7-4480-A214-01473DFE0029}" type="datetimeFigureOut">
               <a:rPr lang="zh-CN" altLang="en-US" smtClean="0"/>
               <a:pPr/>
-              <a:t>2017/12/4</a:t>
+              <a:t>2017/12/5</a:t>
             </a:fld>
             <a:endParaRPr lang="zh-CN" altLang="en-US"/>
           </a:p>
@@ -5941,7 +5941,7 @@
             <a:fld id="{B35E7478-ADE7-4480-A214-01473DFE0029}" type="datetimeFigureOut">
               <a:rPr lang="zh-CN" altLang="en-US" smtClean="0"/>
               <a:pPr/>
-              <a:t>2017/12/4</a:t>
+              <a:t>2017/12/5</a:t>
             </a:fld>
             <a:endParaRPr lang="zh-CN" altLang="en-US"/>
           </a:p>
@@ -7609,7 +7609,7 @@
             <a:fld id="{B35E7478-ADE7-4480-A214-01473DFE0029}" type="datetimeFigureOut">
               <a:rPr lang="zh-CN" altLang="en-US" smtClean="0"/>
               <a:pPr/>
-              <a:t>2017/12/4</a:t>
+              <a:t>2017/12/5</a:t>
             </a:fld>
             <a:endParaRPr lang="zh-CN" altLang="en-US"/>
           </a:p>
@@ -11913,7 +11913,7 @@
                 </a:solidFill>
               </a:rPr>
               <a:pPr/>
-              <a:t>2017/12/4</a:t>
+              <a:t>2017/12/5</a:t>
             </a:fld>
             <a:endParaRPr lang="zh-CN" altLang="en-US">
               <a:solidFill>
@@ -15831,7 +15831,7 @@
                 </a:solidFill>
               </a:rPr>
               <a:pPr/>
-              <a:t>2017/12/4</a:t>
+              <a:t>2017/12/5</a:t>
             </a:fld>
             <a:endParaRPr lang="zh-CN" altLang="en-US">
               <a:solidFill>
@@ -21682,7 +21682,7 @@
                 </a:solidFill>
               </a:rPr>
               <a:pPr/>
-              <a:t>2017/12/4</a:t>
+              <a:t>2017/12/5</a:t>
             </a:fld>
             <a:endParaRPr lang="zh-CN" altLang="en-US">
               <a:solidFill>
@@ -22272,7 +22272,7 @@
                 </a:solidFill>
               </a:rPr>
               <a:pPr/>
-              <a:t>2017/12/4</a:t>
+              <a:t>2017/12/5</a:t>
             </a:fld>
             <a:endParaRPr lang="zh-CN" altLang="en-US">
               <a:solidFill>
@@ -25976,7 +25976,7 @@
                 </a:solidFill>
               </a:rPr>
               <a:pPr/>
-              <a:t>2017/12/4</a:t>
+              <a:t>2017/12/5</a:t>
             </a:fld>
             <a:endParaRPr lang="zh-CN" altLang="en-US">
               <a:solidFill>
@@ -26110,7 +26110,7 @@
                 </a:solidFill>
               </a:rPr>
               <a:pPr/>
-              <a:t>2017/12/4</a:t>
+              <a:t>2017/12/5</a:t>
             </a:fld>
             <a:endParaRPr lang="zh-CN" altLang="en-US">
               <a:solidFill>
@@ -26939,7 +26939,7 @@
             <a:fld id="{B35E7478-ADE7-4480-A214-01473DFE0029}" type="datetimeFigureOut">
               <a:rPr lang="zh-CN" altLang="en-US" smtClean="0"/>
               <a:pPr/>
-              <a:t>2017/12/4</a:t>
+              <a:t>2017/12/5</a:t>
             </a:fld>
             <a:endParaRPr lang="zh-CN" altLang="en-US"/>
           </a:p>
@@ -32267,7 +32267,7 @@
             <a:fld id="{B35E7478-ADE7-4480-A214-01473DFE0029}" type="datetimeFigureOut">
               <a:rPr lang="zh-CN" altLang="en-US" smtClean="0"/>
               <a:pPr/>
-              <a:t>2017/12/4</a:t>
+              <a:t>2017/12/5</a:t>
             </a:fld>
             <a:endParaRPr lang="zh-CN" altLang="en-US"/>
           </a:p>
@@ -37621,7 +37621,7 @@
             <a:fld id="{B35E7478-ADE7-4480-A214-01473DFE0029}" type="datetimeFigureOut">
               <a:rPr lang="zh-CN" altLang="en-US" smtClean="0"/>
               <a:pPr/>
-              <a:t>2017/12/4</a:t>
+              <a:t>2017/12/5</a:t>
             </a:fld>
             <a:endParaRPr lang="zh-CN" altLang="en-US"/>
           </a:p>
@@ -37718,7 +37718,7 @@
             <a:fld id="{B35E7478-ADE7-4480-A214-01473DFE0029}" type="datetimeFigureOut">
               <a:rPr lang="zh-CN" altLang="en-US" smtClean="0"/>
               <a:pPr/>
-              <a:t>2017/12/4</a:t>
+              <a:t>2017/12/5</a:t>
             </a:fld>
             <a:endParaRPr lang="zh-CN" altLang="en-US"/>
           </a:p>
@@ -38004,7 +38004,7 @@
             <a:fld id="{B35E7478-ADE7-4480-A214-01473DFE0029}" type="datetimeFigureOut">
               <a:rPr lang="zh-CN" altLang="en-US" smtClean="0"/>
               <a:pPr/>
-              <a:t>2017/12/4</a:t>
+              <a:t>2017/12/5</a:t>
             </a:fld>
             <a:endParaRPr lang="zh-CN" altLang="en-US"/>
           </a:p>
@@ -38259,7 +38259,7 @@
             <a:fld id="{B35E7478-ADE7-4480-A214-01473DFE0029}" type="datetimeFigureOut">
               <a:rPr lang="zh-CN" altLang="en-US" smtClean="0"/>
               <a:pPr/>
-              <a:t>2017/12/4</a:t>
+              <a:t>2017/12/5</a:t>
             </a:fld>
             <a:endParaRPr lang="zh-CN" altLang="en-US"/>
           </a:p>
@@ -38431,7 +38431,7 @@
             <a:fld id="{B35E7478-ADE7-4480-A214-01473DFE0029}" type="datetimeFigureOut">
               <a:rPr lang="zh-CN" altLang="en-US" smtClean="0"/>
               <a:pPr/>
-              <a:t>2017/12/4</a:t>
+              <a:t>2017/12/5</a:t>
             </a:fld>
             <a:endParaRPr lang="zh-CN" altLang="en-US"/>
           </a:p>
@@ -38658,7 +38658,7 @@
             <a:fld id="{B35E7478-ADE7-4480-A214-01473DFE0029}" type="datetimeFigureOut">
               <a:rPr lang="zh-CN" altLang="en-US" smtClean="0"/>
               <a:pPr/>
-              <a:t>2017/12/4</a:t>
+              <a:t>2017/12/5</a:t>
             </a:fld>
             <a:endParaRPr lang="zh-CN" altLang="en-US"/>
           </a:p>
@@ -39194,7 +39194,7 @@
                 </a:solidFill>
               </a:rPr>
               <a:pPr/>
-              <a:t>2017/12/4</a:t>
+              <a:t>2017/12/5</a:t>
             </a:fld>
             <a:endParaRPr lang="zh-CN" altLang="en-US">
               <a:solidFill>
@@ -41668,11 +41668,7 @@
             </a:r>
             <a:r>
               <a:rPr lang="en-US" altLang="zh-CN" dirty="0" smtClean="0"/>
-              <a:t>&gt;(5, 8) </a:t>
-            </a:r>
-            <a:r>
-              <a:rPr lang="en-US" altLang="zh-CN" dirty="0" smtClean="0"/>
-              <a:t>;</a:t>
+              <a:t>&gt;(5, 8) ;</a:t>
             </a:r>
           </a:p>
           <a:p>
@@ -41890,7 +41886,15 @@
             </a:pPr>
             <a:r>
               <a:rPr lang="zh-CN" altLang="en-US" dirty="0" smtClean="0"/>
-              <a:t>但是下界不能用于参类型参数中。</a:t>
+              <a:t>但是下界不能</a:t>
+            </a:r>
+            <a:r>
+              <a:rPr lang="zh-CN" altLang="en-US" dirty="0" smtClean="0"/>
+              <a:t>用于类型</a:t>
+            </a:r>
+            <a:r>
+              <a:rPr lang="zh-CN" altLang="en-US" dirty="0" smtClean="0"/>
+              <a:t>参数中。</a:t>
             </a:r>
             <a:endParaRPr lang="en-US" altLang="zh-CN" dirty="0" smtClean="0"/>
           </a:p>
@@ -42037,6 +42041,13 @@
   <p:clrMapOvr>
     <a:masterClrMapping/>
   </p:clrMapOvr>
+  <p:timing>
+    <p:tnLst>
+      <p:par>
+        <p:cTn id="1" dur="indefinite" restart="never" nodeType="tmRoot"/>
+      </p:par>
+    </p:tnLst>
+  </p:timing>
 </p:sld>
 </file>
 
